--- a/Final_Project_Slides_Draft2.pptx
+++ b/Final_Project_Slides_Draft2.pptx
@@ -6,7 +6,7 @@
   </p:sldMasterIdLst>
   <p:sldIdLst>
     <p:sldId id="298" r:id="rId5"/>
-    <p:sldId id="300" r:id="rId6"/>
+    <p:sldId id="305" r:id="rId6"/>
     <p:sldId id="301" r:id="rId7"/>
     <p:sldId id="302" r:id="rId8"/>
     <p:sldId id="303" r:id="rId9"/>
@@ -361,7 +361,7 @@
           <a:p>
             <a:fld id="{9184DA70-C731-4C70-880D-CCD4705E623C}" type="datetime1">
               <a:rPr lang="en-US" smtClean="0"/>
-              <a:t>10/24/2022</a:t>
+              <a:t>10/31/2022</a:t>
             </a:fld>
             <a:endParaRPr lang="en-US" dirty="0"/>
           </a:p>
@@ -549,7 +549,7 @@
           <a:p>
             <a:fld id="{4BE1D723-8F53-4F53-90B0-1982A396982E}" type="datetime1">
               <a:rPr lang="en-US" smtClean="0"/>
-              <a:t>10/24/2022</a:t>
+              <a:t>10/31/2022</a:t>
             </a:fld>
             <a:endParaRPr lang="en-US" dirty="0"/>
           </a:p>
@@ -922,7 +922,7 @@
           <a:p>
             <a:fld id="{97669AF7-7BEB-44E4-9852-375E34362B5B}" type="datetime1">
               <a:rPr lang="en-US" smtClean="0"/>
-              <a:t>10/24/2022</a:t>
+              <a:t>10/31/2022</a:t>
             </a:fld>
             <a:endParaRPr lang="en-US" dirty="0"/>
           </a:p>
@@ -1177,7 +1177,7 @@
           <a:p>
             <a:fld id="{BAAAC38D-0552-4C82-B593-E6124DFADBE2}" type="datetime1">
               <a:rPr lang="en-US" smtClean="0"/>
-              <a:t>10/24/2022</a:t>
+              <a:t>10/31/2022</a:t>
             </a:fld>
             <a:endParaRPr lang="en-US" dirty="0"/>
           </a:p>
@@ -1574,7 +1574,7 @@
           <a:p>
             <a:fld id="{D9DF0F1C-5577-4ACB-BB62-DF8F3C494C7E}" type="datetime1">
               <a:rPr lang="en-US" smtClean="0"/>
-              <a:t>10/24/2022</a:t>
+              <a:t>10/31/2022</a:t>
             </a:fld>
             <a:endParaRPr lang="en-US" dirty="0"/>
           </a:p>
@@ -1710,7 +1710,7 @@
           <a:p>
             <a:fld id="{1775B394-D9F9-4F0C-B15D-605F45CB9E9F}" type="datetime1">
               <a:rPr lang="en-US" smtClean="0"/>
-              <a:t>10/24/2022</a:t>
+              <a:t>10/31/2022</a:t>
             </a:fld>
             <a:endParaRPr lang="en-US" dirty="0"/>
           </a:p>
@@ -1867,7 +1867,7 @@
           <a:p>
             <a:fld id="{39667345-2558-425A-8533-9BFDBCE15005}" type="datetime1">
               <a:rPr lang="en-US" smtClean="0"/>
-              <a:t>10/24/2022</a:t>
+              <a:t>10/31/2022</a:t>
             </a:fld>
             <a:endParaRPr lang="en-US" dirty="0"/>
           </a:p>
@@ -2196,7 +2196,7 @@
           <a:p>
             <a:fld id="{92BEA474-078D-4E9B-9B14-09A87B19DC46}" type="datetime1">
               <a:rPr lang="en-US" smtClean="0"/>
-              <a:t>10/24/2022</a:t>
+              <a:t>10/31/2022</a:t>
             </a:fld>
             <a:endParaRPr lang="en-US" dirty="0"/>
           </a:p>
@@ -2546,7 +2546,7 @@
           <a:p>
             <a:fld id="{4907D986-8816-4272-A432-0437A28A9828}" type="datetime1">
               <a:rPr lang="en-US" smtClean="0"/>
-              <a:t>10/24/2022</a:t>
+              <a:t>10/31/2022</a:t>
             </a:fld>
             <a:endParaRPr lang="en-US" dirty="0"/>
           </a:p>
@@ -2807,7 +2807,7 @@
           <a:p>
             <a:fld id="{62D6E202-B606-4609-B914-27C9371A1F6D}" type="datetime1">
               <a:rPr lang="en-US" smtClean="0"/>
-              <a:t>10/24/2022</a:t>
+              <a:t>10/31/2022</a:t>
             </a:fld>
             <a:endParaRPr lang="en-US" dirty="0"/>
           </a:p>
@@ -3910,14 +3910,6 @@
 <file path=ppt/slides/slide2.xml><?xml version="1.0" encoding="utf-8"?>
 <p:sld xmlns:a="http://schemas.openxmlformats.org/drawingml/2006/main" xmlns:r="http://schemas.openxmlformats.org/officeDocument/2006/relationships" xmlns:p="http://schemas.openxmlformats.org/presentationml/2006/main">
   <p:cSld>
-    <p:bg>
-      <p:bgPr>
-        <a:solidFill>
-          <a:schemeClr val="bg1"/>
-        </a:solidFill>
-        <a:effectLst/>
-      </p:bgPr>
-    </p:bg>
     <p:spTree>
       <p:nvGrpSpPr>
         <p:cNvPr id="1" name=""/>
@@ -3962,7 +3954,7 @@
           <a:p>
             <a:r>
               <a:rPr lang="en-US" dirty="0"/>
-              <a:t>Topic</a:t>
+              <a:t>Topic and Description of Data</a:t>
             </a:r>
           </a:p>
         </p:txBody>
@@ -3981,16 +3973,11 @@
           </p:cNvGraphicFramePr>
           <p:nvPr>
             <p:ph idx="1"/>
-            <p:extLst>
-              <p:ext uri="{D42A27DB-BD31-4B8C-83A1-F6EECF244321}">
-                <p14:modId xmlns:p14="http://schemas.microsoft.com/office/powerpoint/2010/main" val="3817857906"/>
-              </p:ext>
-            </p:extLst>
           </p:nvPr>
         </p:nvGraphicFramePr>
         <p:xfrm>
           <a:off x="233266" y="1256902"/>
-          <a:ext cx="11719248" cy="2680302"/>
+          <a:ext cx="11719248" cy="4866088"/>
         </p:xfrm>
         <a:graphic>
           <a:graphicData uri="http://schemas.openxmlformats.org/drawingml/2006/table">
@@ -4051,18 +4038,23 @@
                     <a:bodyPr/>
                     <a:lstStyle/>
                     <a:p>
-                      <a:pPr marL="285750" indent="-285750">
-                        <a:buFont typeface="Wingdings" panose="05000000000000000000" pitchFamily="2" charset="2"/>
-                        <a:buChar char="q"/>
-                      </a:pPr>
                       <a:r>
-                        <a:rPr lang="en-US" sz="2400" cap="none" spc="0" dirty="0">
+                        <a:rPr lang="en-US" sz="1800" b="0" i="0" kern="1200" dirty="0">
                           <a:solidFill>
                             <a:schemeClr val="tx1"/>
                           </a:solidFill>
+                          <a:effectLst/>
+                          <a:latin typeface="+mn-lt"/>
+                          <a:ea typeface="+mn-ea"/>
+                          <a:cs typeface="+mn-cs"/>
                         </a:rPr>
-                        <a:t>Loan Approval Prediction</a:t>
+                        <a:t>This project will be focused on identifying/predicting whether a participant might default on their loan. The goal of using this topic is to create a Supervised Machine Learning model trained on the loan status of the applicant data.  Then we can use that model to predict whether a future applicant should be approved based on their specific input features.</a:t>
                       </a:r>
+                      <a:endParaRPr lang="en-US" sz="1400" cap="none" spc="0" dirty="0">
+                        <a:solidFill>
+                          <a:schemeClr val="tx1"/>
+                        </a:solidFill>
+                      </a:endParaRPr>
                     </a:p>
                   </a:txBody>
                   <a:tcPr marL="151061" marR="151061" marT="151061" marB="151061">
@@ -4096,7 +4088,7 @@
                     <a:bodyPr/>
                     <a:lstStyle/>
                     <a:p>
-                      <a:pPr marL="285750" marR="0" lvl="0" indent="-285750" algn="l" defTabSz="914400" rtl="0" eaLnBrk="1" fontAlgn="auto" latinLnBrk="0" hangingPunct="1">
+                      <a:pPr marL="0" marR="0" lvl="0" indent="0" algn="l" defTabSz="914400" rtl="0" eaLnBrk="1" fontAlgn="auto" latinLnBrk="0" hangingPunct="1">
                         <a:lnSpc>
                           <a:spcPct val="100000"/>
                         </a:lnSpc>
@@ -4108,13 +4100,13 @@
                         </a:spcAft>
                         <a:buClrTx/>
                         <a:buSzTx/>
-                        <a:buFont typeface="Wingdings" panose="05000000000000000000" pitchFamily="2" charset="2"/>
-                        <a:buChar char="q"/>
+                        <a:buFontTx/>
+                        <a:buNone/>
                         <a:tabLst/>
                         <a:defRPr/>
                       </a:pPr>
                       <a:r>
-                        <a:rPr lang="en-US" sz="2400" b="0" i="0" kern="1200" dirty="0">
+                        <a:rPr lang="en-US" sz="1800" b="0" i="0" kern="1200" dirty="0">
                           <a:solidFill>
                             <a:schemeClr val="tx1"/>
                           </a:solidFill>
@@ -4123,9 +4115,9 @@
                           <a:ea typeface="+mn-ea"/>
                           <a:cs typeface="+mn-cs"/>
                         </a:rPr>
-                        <a:t>The data used is from Lending Club for all loans issued in 2017, including the current loan status (Current, Late, Fully Paid, etc.) and latest payment information..</a:t>
+                        <a:t>The data used is from Lending Club for all loans issued in 2017, including the current loan status (Current, Late, Fully Paid, etc.) and latest payment information. The initial CSV file contained 122 columns and 96,779 rows.  This included loan information for applicants in 49 states and had columns containing the type of loan as well as if it were a Joint or Individual account.  The dataset also had features such as Debt to Income Ratio, number of other credit accounts the applicant had, any delinquency records, employment status, annual income and much more.</a:t>
                       </a:r>
-                      <a:endParaRPr lang="en-US" sz="2400" cap="none" spc="0" dirty="0">
+                      <a:endParaRPr lang="en-US" sz="1400" cap="none" spc="0" dirty="0">
                         <a:solidFill>
                           <a:schemeClr val="tx1"/>
                         </a:solidFill>
@@ -4162,6 +4154,65 @@
                   </a:ext>
                 </a:extLst>
               </a:tr>
+              <a:tr h="978778">
+                <a:tc>
+                  <a:txBody>
+                    <a:bodyPr/>
+                    <a:lstStyle/>
+                    <a:p>
+                      <a:pPr marL="0" marR="0" lvl="0" indent="0" algn="l" defTabSz="914400" rtl="0" eaLnBrk="1" fontAlgn="auto" latinLnBrk="0" hangingPunct="1">
+                        <a:lnSpc>
+                          <a:spcPct val="100000"/>
+                        </a:lnSpc>
+                        <a:spcBef>
+                          <a:spcPts val="0"/>
+                        </a:spcBef>
+                        <a:spcAft>
+                          <a:spcPts val="0"/>
+                        </a:spcAft>
+                        <a:buClrTx/>
+                        <a:buSzTx/>
+                        <a:buFontTx/>
+                        <a:buNone/>
+                        <a:tabLst/>
+                        <a:defRPr/>
+                      </a:pPr>
+                      <a:r>
+                        <a:rPr lang="en-US" sz="1800" cap="none" spc="0" dirty="0">
+                          <a:solidFill>
+                            <a:schemeClr val="tx1"/>
+                          </a:solidFill>
+                        </a:rPr>
+                        <a:t>As many individuals and families struggle with financial decisions, we chose Loan Prediction as our topic so we can have a better understanding of the loan approval process.  We wanted to explore what factors are most important when deciding to grant a loan and if there are any similar characteristics of applicants who default. </a:t>
+                      </a:r>
+                    </a:p>
+                  </a:txBody>
+                  <a:tcPr marL="151061" marR="151061" marT="151061" marB="151061">
+                    <a:lnL w="12700" cmpd="sng">
+                      <a:noFill/>
+                      <a:prstDash val="solid"/>
+                    </a:lnL>
+                    <a:lnR w="12700" cmpd="sng">
+                      <a:noFill/>
+                      <a:prstDash val="solid"/>
+                    </a:lnR>
+                    <a:lnT w="12700" cmpd="sng">
+                      <a:noFill/>
+                      <a:prstDash val="solid"/>
+                    </a:lnT>
+                    <a:lnB w="12700" cmpd="sng">
+                      <a:noFill/>
+                      <a:prstDash val="solid"/>
+                    </a:lnB>
+                    <a:noFill/>
+                  </a:tcPr>
+                </a:tc>
+                <a:extLst>
+                  <a:ext uri="{0D108BD9-81ED-4DB2-BD59-A6C34878D82A}">
+                    <a16:rowId xmlns:a16="http://schemas.microsoft.com/office/drawing/2014/main" val="2578144993"/>
+                  </a:ext>
+                </a:extLst>
+              </a:tr>
             </a:tbl>
           </a:graphicData>
         </a:graphic>
@@ -4181,7 +4232,7 @@
           <p:nvPr/>
         </p:nvPicPr>
         <p:blipFill>
-          <a:blip r:embed="rId3"/>
+          <a:blip r:embed="rId2"/>
           <a:stretch>
             <a:fillRect/>
           </a:stretch>
@@ -4199,7 +4250,7 @@
     </p:spTree>
     <p:extLst>
       <p:ext uri="{BB962C8B-B14F-4D97-AF65-F5344CB8AC3E}">
-        <p14:creationId xmlns:p14="http://schemas.microsoft.com/office/powerpoint/2010/main" val="2933514334"/>
+        <p14:creationId xmlns:p14="http://schemas.microsoft.com/office/powerpoint/2010/main" val="4166010813"/>
       </p:ext>
     </p:extLst>
   </p:cSld>
@@ -6573,49 +6624,6 @@
 </a:themeOverride>
 </file>
 
-<file path=ppt/theme/themeOverride6.xml><?xml version="1.0" encoding="utf-8"?>
-<a:themeOverride xmlns:a="http://schemas.openxmlformats.org/drawingml/2006/main">
-  <a:clrScheme name="Parcel">
-    <a:dk1>
-      <a:srgbClr val="000000"/>
-    </a:dk1>
-    <a:lt1>
-      <a:srgbClr val="FFFFFF"/>
-    </a:lt1>
-    <a:dk2>
-      <a:srgbClr val="4A5356"/>
-    </a:dk2>
-    <a:lt2>
-      <a:srgbClr val="E8E3CE"/>
-    </a:lt2>
-    <a:accent1>
-      <a:srgbClr val="F6A21D"/>
-    </a:accent1>
-    <a:accent2>
-      <a:srgbClr val="9BAFB5"/>
-    </a:accent2>
-    <a:accent3>
-      <a:srgbClr val="C96731"/>
-    </a:accent3>
-    <a:accent4>
-      <a:srgbClr val="9CA383"/>
-    </a:accent4>
-    <a:accent5>
-      <a:srgbClr val="87795D"/>
-    </a:accent5>
-    <a:accent6>
-      <a:srgbClr val="A0988C"/>
-    </a:accent6>
-    <a:hlink>
-      <a:srgbClr val="00B0F0"/>
-    </a:hlink>
-    <a:folHlink>
-      <a:srgbClr val="738F97"/>
-    </a:folHlink>
-  </a:clrScheme>
-</a:themeOverride>
-</file>
-
 <file path=customXml/item1.xml><?xml version="1.0" encoding="utf-8"?>
 <p:properties xmlns:p="http://schemas.microsoft.com/office/2006/metadata/properties" xmlns:xsi="http://www.w3.org/2001/XMLSchema-instance" xmlns:pc="http://schemas.microsoft.com/office/infopath/2007/PartnerControls">
   <documentManagement>
@@ -6626,15 +6634,6 @@
 </file>
 
 <file path=customXml/item2.xml><?xml version="1.0" encoding="utf-8"?>
-<?mso-contentType ?>
-<FormTemplates xmlns="http://schemas.microsoft.com/sharepoint/v3/contenttype/forms">
-  <Display>DocumentLibraryForm</Display>
-  <Edit>DocumentLibraryForm</Edit>
-  <New>DocumentLibraryForm</New>
-</FormTemplates>
-</file>
-
-<file path=customXml/item3.xml><?xml version="1.0" encoding="utf-8"?>
 <ct:contentTypeSchema xmlns:ct="http://schemas.microsoft.com/office/2006/metadata/contentType" xmlns:ma="http://schemas.microsoft.com/office/2006/metadata/properties/metaAttributes" ct:_="" ma:_="" ma:contentTypeName="Document" ma:contentTypeID="0x01010079F111ED35F8CC479449609E8A0923A6" ma:contentTypeVersion="12" ma:contentTypeDescription="Create a new document." ma:contentTypeScope="" ma:versionID="a410dd7f93c95333ffa1b60ed6adedd1">
   <xsd:schema xmlns:xsd="http://www.w3.org/2001/XMLSchema" xmlns:xs="http://www.w3.org/2001/XMLSchema" xmlns:p="http://schemas.microsoft.com/office/2006/metadata/properties" xmlns:ns2="71af3243-3dd4-4a8d-8c0d-dd76da1f02a5" xmlns:ns3="16c05727-aa75-4e4a-9b5f-8a80a1165891" targetNamespace="http://schemas.microsoft.com/office/2006/metadata/properties" ma:root="true" ma:fieldsID="a936d9baba76aa3866493feff160faab" ns2:_="" ns3:_="">
     <xsd:import namespace="71af3243-3dd4-4a8d-8c0d-dd76da1f02a5"/>
@@ -6855,6 +6854,15 @@
 </ct:contentTypeSchema>
 </file>
 
+<file path=customXml/item3.xml><?xml version="1.0" encoding="utf-8"?>
+<?mso-contentType ?>
+<FormTemplates xmlns="http://schemas.microsoft.com/sharepoint/v3/contenttype/forms">
+  <Display>DocumentLibraryForm</Display>
+  <Edit>DocumentLibraryForm</Edit>
+  <New>DocumentLibraryForm</New>
+</FormTemplates>
+</file>
+
 <file path=customXml/itemProps1.xml><?xml version="1.0" encoding="utf-8"?>
 <ds:datastoreItem xmlns:ds="http://schemas.openxmlformats.org/officeDocument/2006/customXml" ds:itemID="{A03EEFF0-FB57-4CB4-8BFC-DF397689E2ED}">
   <ds:schemaRefs>
@@ -6866,14 +6874,6 @@
 </file>
 
 <file path=customXml/itemProps2.xml><?xml version="1.0" encoding="utf-8"?>
-<ds:datastoreItem xmlns:ds="http://schemas.openxmlformats.org/officeDocument/2006/customXml" ds:itemID="{AA3F7EDC-E5B4-4BBC-9D2A-CBE6D46C37AD}">
-  <ds:schemaRefs>
-    <ds:schemaRef ds:uri="http://schemas.microsoft.com/sharepoint/v3/contenttype/forms"/>
-  </ds:schemaRefs>
-</ds:datastoreItem>
-</file>
-
-<file path=customXml/itemProps3.xml><?xml version="1.0" encoding="utf-8"?>
 <ds:datastoreItem xmlns:ds="http://schemas.openxmlformats.org/officeDocument/2006/customXml" ds:itemID="{93932EF5-314F-409E-8020-FEE5FA0795B9}">
   <ds:schemaRefs>
     <ds:schemaRef ds:uri="http://schemas.microsoft.com/office/2006/metadata/contentType"/>
@@ -6890,4 +6890,12 @@
     <ds:schemaRef ds:uri="http://schemas.microsoft.com/internal/obd"/>
   </ds:schemaRefs>
 </ds:datastoreItem>
+</file>
+
+<file path=customXml/itemProps3.xml><?xml version="1.0" encoding="utf-8"?>
+<ds:datastoreItem xmlns:ds="http://schemas.openxmlformats.org/officeDocument/2006/customXml" ds:itemID="{AA3F7EDC-E5B4-4BBC-9D2A-CBE6D46C37AD}">
+  <ds:schemaRefs>
+    <ds:schemaRef ds:uri="http://schemas.microsoft.com/sharepoint/v3/contenttype/forms"/>
+  </ds:schemaRefs>
+</ds:datastoreItem>
 </file>
--- a/Final_Project_Slides_Draft2.pptx
+++ b/Final_Project_Slides_Draft2.pptx
@@ -9,8 +9,9 @@
     <p:sldId id="305" r:id="rId6"/>
     <p:sldId id="301" r:id="rId7"/>
     <p:sldId id="302" r:id="rId8"/>
-    <p:sldId id="303" r:id="rId9"/>
-    <p:sldId id="304" r:id="rId10"/>
+    <p:sldId id="306" r:id="rId9"/>
+    <p:sldId id="303" r:id="rId10"/>
+    <p:sldId id="304" r:id="rId11"/>
   </p:sldIdLst>
   <p:sldSz cx="12192000" cy="6858000"/>
   <p:notesSz cx="6858000" cy="9144000"/>
@@ -4766,7 +4767,7 @@
           <a:p>
             <a:r>
               <a:rPr lang="en-US" dirty="0"/>
-              <a:t>Data Exploration</a:t>
+              <a:t>Technologies Used</a:t>
             </a:r>
           </a:p>
         </p:txBody>
@@ -4787,14 +4788,612 @@
             <p:ph idx="1"/>
             <p:extLst>
               <p:ext uri="{D42A27DB-BD31-4B8C-83A1-F6EECF244321}">
-                <p14:modId xmlns:p14="http://schemas.microsoft.com/office/powerpoint/2010/main" val="1064702613"/>
+                <p14:modId xmlns:p14="http://schemas.microsoft.com/office/powerpoint/2010/main" val="1012649752"/>
               </p:ext>
             </p:extLst>
           </p:nvPr>
         </p:nvGraphicFramePr>
         <p:xfrm>
           <a:off x="223934" y="1284894"/>
-          <a:ext cx="11756571" cy="4563966"/>
+          <a:ext cx="11756571" cy="5600286"/>
+        </p:xfrm>
+        <a:graphic>
+          <a:graphicData uri="http://schemas.openxmlformats.org/drawingml/2006/table">
+            <a:tbl>
+              <a:tblPr firstRow="1" bandRow="1">
+                <a:noFill/>
+                <a:tableStyleId>{3B4B98B0-60AC-42C2-AFA5-B58CD77FA1E5}</a:tableStyleId>
+              </a:tblPr>
+              <a:tblGrid>
+                <a:gridCol w="11756571">
+                  <a:extLst>
+                    <a:ext uri="{9D8B030D-6E8A-4147-A177-3AD203B41FA5}">
+                      <a16:colId xmlns:a16="http://schemas.microsoft.com/office/drawing/2014/main" val="2981917977"/>
+                    </a:ext>
+                  </a:extLst>
+                </a:gridCol>
+              </a:tblGrid>
+              <a:tr h="585899">
+                <a:tc>
+                  <a:txBody>
+                    <a:bodyPr/>
+                    <a:lstStyle/>
+                    <a:p>
+                      <a:endParaRPr lang="en-US" sz="2400" b="0" cap="all" spc="150" dirty="0">
+                        <a:solidFill>
+                          <a:schemeClr val="lt1"/>
+                        </a:solidFill>
+                      </a:endParaRPr>
+                    </a:p>
+                  </a:txBody>
+                  <a:tcPr marL="151061" marR="151061" marT="151061" marB="151061">
+                    <a:lnL w="12700" cmpd="sng">
+                      <a:noFill/>
+                    </a:lnL>
+                    <a:lnR w="12700" cmpd="sng">
+                      <a:noFill/>
+                    </a:lnR>
+                    <a:lnT w="12700" cmpd="sng">
+                      <a:noFill/>
+                    </a:lnT>
+                    <a:lnB w="38100" cmpd="sng">
+                      <a:noFill/>
+                    </a:lnB>
+                    <a:solidFill>
+                      <a:schemeClr val="accent1"/>
+                    </a:solidFill>
+                  </a:tcPr>
+                </a:tc>
+                <a:extLst>
+                  <a:ext uri="{0D108BD9-81ED-4DB2-BD59-A6C34878D82A}">
+                    <a16:rowId xmlns:a16="http://schemas.microsoft.com/office/drawing/2014/main" val="2580512675"/>
+                  </a:ext>
+                </a:extLst>
+              </a:tr>
+              <a:tr h="2912151">
+                <a:tc>
+                  <a:txBody>
+                    <a:bodyPr/>
+                    <a:lstStyle/>
+                    <a:p>
+                      <a:pPr marL="285750" indent="-285750">
+                        <a:buFont typeface="Wingdings" panose="05000000000000000000" pitchFamily="2" charset="2"/>
+                        <a:buChar char="Ø"/>
+                      </a:pPr>
+                      <a:r>
+                        <a:rPr lang="en-US" sz="1800" b="0" i="0" kern="1200" dirty="0">
+                          <a:solidFill>
+                            <a:schemeClr val="tx1"/>
+                          </a:solidFill>
+                          <a:effectLst/>
+                          <a:latin typeface="+mn-lt"/>
+                          <a:ea typeface="+mn-ea"/>
+                          <a:cs typeface="+mn-cs"/>
+                        </a:rPr>
+                        <a:t>Python</a:t>
+                      </a:r>
+                    </a:p>
+                    <a:p>
+                      <a:pPr marL="285750" indent="-285750">
+                        <a:buFont typeface="Wingdings" panose="05000000000000000000" pitchFamily="2" charset="2"/>
+                        <a:buChar char="Ø"/>
+                      </a:pPr>
+                      <a:endParaRPr lang="en-US" sz="1800" b="0" i="0" kern="1200" dirty="0">
+                        <a:solidFill>
+                          <a:schemeClr val="tx1"/>
+                        </a:solidFill>
+                        <a:effectLst/>
+                        <a:latin typeface="+mn-lt"/>
+                        <a:ea typeface="+mn-ea"/>
+                        <a:cs typeface="+mn-cs"/>
+                      </a:endParaRPr>
+                    </a:p>
+                    <a:p>
+                      <a:pPr marL="285750" indent="-285750">
+                        <a:buFont typeface="Wingdings" panose="05000000000000000000" pitchFamily="2" charset="2"/>
+                        <a:buChar char="Ø"/>
+                      </a:pPr>
+                      <a:endParaRPr lang="en-US" sz="1800" b="0" i="0" kern="1200" dirty="0">
+                        <a:solidFill>
+                          <a:schemeClr val="tx1"/>
+                        </a:solidFill>
+                        <a:effectLst/>
+                        <a:latin typeface="+mn-lt"/>
+                        <a:ea typeface="+mn-ea"/>
+                        <a:cs typeface="+mn-cs"/>
+                      </a:endParaRPr>
+                    </a:p>
+                    <a:p>
+                      <a:pPr marL="285750" indent="-285750">
+                        <a:buFont typeface="Wingdings" panose="05000000000000000000" pitchFamily="2" charset="2"/>
+                        <a:buChar char="Ø"/>
+                      </a:pPr>
+                      <a:r>
+                        <a:rPr lang="en-US" sz="1800" b="0" i="0" kern="1200" dirty="0">
+                          <a:solidFill>
+                            <a:schemeClr val="tx1"/>
+                          </a:solidFill>
+                          <a:effectLst/>
+                          <a:latin typeface="+mn-lt"/>
+                          <a:ea typeface="+mn-ea"/>
+                          <a:cs typeface="+mn-cs"/>
+                        </a:rPr>
+                        <a:t>Supervised Machine Learning -  Logistical Regression(Oversampling), Decision Trees, Random Forest Classification</a:t>
+                      </a:r>
+                    </a:p>
+                    <a:p>
+                      <a:pPr marL="285750" indent="-285750">
+                        <a:buFont typeface="Wingdings" panose="05000000000000000000" pitchFamily="2" charset="2"/>
+                        <a:buChar char="Ø"/>
+                      </a:pPr>
+                      <a:endParaRPr lang="en-US" sz="1800" b="0" i="0" kern="1200" dirty="0">
+                        <a:solidFill>
+                          <a:schemeClr val="tx1"/>
+                        </a:solidFill>
+                        <a:effectLst/>
+                        <a:latin typeface="+mn-lt"/>
+                        <a:ea typeface="+mn-ea"/>
+                        <a:cs typeface="+mn-cs"/>
+                      </a:endParaRPr>
+                    </a:p>
+                    <a:p>
+                      <a:pPr marL="285750" indent="-285750">
+                        <a:buFont typeface="Wingdings" panose="05000000000000000000" pitchFamily="2" charset="2"/>
+                        <a:buChar char="Ø"/>
+                      </a:pPr>
+                      <a:endParaRPr lang="en-US" sz="1800" b="0" i="0" kern="1200" dirty="0">
+                        <a:solidFill>
+                          <a:schemeClr val="tx1"/>
+                        </a:solidFill>
+                        <a:effectLst/>
+                        <a:latin typeface="+mn-lt"/>
+                        <a:ea typeface="+mn-ea"/>
+                        <a:cs typeface="+mn-cs"/>
+                      </a:endParaRPr>
+                    </a:p>
+                    <a:p>
+                      <a:pPr marL="285750" indent="-285750">
+                        <a:buFont typeface="Wingdings" panose="05000000000000000000" pitchFamily="2" charset="2"/>
+                        <a:buChar char="Ø"/>
+                      </a:pPr>
+                      <a:r>
+                        <a:rPr lang="en-US" sz="1800" b="0" i="0" kern="1200" dirty="0">
+                          <a:solidFill>
+                            <a:schemeClr val="tx1"/>
+                          </a:solidFill>
+                          <a:effectLst/>
+                          <a:latin typeface="+mn-lt"/>
+                          <a:ea typeface="+mn-ea"/>
+                          <a:cs typeface="+mn-cs"/>
+                        </a:rPr>
+                        <a:t>SQL</a:t>
+                      </a:r>
+                    </a:p>
+                    <a:p>
+                      <a:pPr marL="285750" indent="-285750">
+                        <a:buFont typeface="Wingdings" panose="05000000000000000000" pitchFamily="2" charset="2"/>
+                        <a:buChar char="Ø"/>
+                      </a:pPr>
+                      <a:endParaRPr lang="en-US" sz="1800" b="0" i="0" kern="1200" dirty="0">
+                        <a:solidFill>
+                          <a:schemeClr val="tx1"/>
+                        </a:solidFill>
+                        <a:effectLst/>
+                        <a:latin typeface="+mn-lt"/>
+                        <a:ea typeface="+mn-ea"/>
+                        <a:cs typeface="+mn-cs"/>
+                      </a:endParaRPr>
+                    </a:p>
+                    <a:p>
+                      <a:pPr marL="285750" indent="-285750">
+                        <a:buFont typeface="Wingdings" panose="05000000000000000000" pitchFamily="2" charset="2"/>
+                        <a:buChar char="Ø"/>
+                      </a:pPr>
+                      <a:endParaRPr lang="en-US" sz="1800" b="0" i="0" kern="1200" dirty="0">
+                        <a:solidFill>
+                          <a:schemeClr val="tx1"/>
+                        </a:solidFill>
+                        <a:effectLst/>
+                        <a:latin typeface="+mn-lt"/>
+                        <a:ea typeface="+mn-ea"/>
+                        <a:cs typeface="+mn-cs"/>
+                      </a:endParaRPr>
+                    </a:p>
+                    <a:p>
+                      <a:pPr marL="285750" indent="-285750">
+                        <a:buFont typeface="Wingdings" panose="05000000000000000000" pitchFamily="2" charset="2"/>
+                        <a:buChar char="Ø"/>
+                      </a:pPr>
+                      <a:r>
+                        <a:rPr lang="en-US" sz="1800" b="0" i="0" kern="1200" dirty="0">
+                          <a:solidFill>
+                            <a:schemeClr val="tx1"/>
+                          </a:solidFill>
+                          <a:effectLst/>
+                          <a:latin typeface="+mn-lt"/>
+                          <a:ea typeface="+mn-ea"/>
+                          <a:cs typeface="+mn-cs"/>
+                        </a:rPr>
+                        <a:t>AWS – S3 bucket</a:t>
+                      </a:r>
+                    </a:p>
+                    <a:p>
+                      <a:pPr marL="285750" indent="-285750">
+                        <a:buFont typeface="Wingdings" panose="05000000000000000000" pitchFamily="2" charset="2"/>
+                        <a:buChar char="Ø"/>
+                      </a:pPr>
+                      <a:endParaRPr lang="en-US" sz="1800" b="0" i="0" kern="1200" dirty="0">
+                        <a:solidFill>
+                          <a:schemeClr val="tx1"/>
+                        </a:solidFill>
+                        <a:effectLst/>
+                        <a:latin typeface="+mn-lt"/>
+                        <a:ea typeface="+mn-ea"/>
+                        <a:cs typeface="+mn-cs"/>
+                      </a:endParaRPr>
+                    </a:p>
+                    <a:p>
+                      <a:pPr marL="285750" indent="-285750">
+                        <a:buFont typeface="Wingdings" panose="05000000000000000000" pitchFamily="2" charset="2"/>
+                        <a:buChar char="Ø"/>
+                      </a:pPr>
+                      <a:endParaRPr lang="en-US" sz="1800" b="0" i="0" kern="1200" dirty="0">
+                        <a:solidFill>
+                          <a:schemeClr val="tx1"/>
+                        </a:solidFill>
+                        <a:effectLst/>
+                        <a:latin typeface="+mn-lt"/>
+                        <a:ea typeface="+mn-ea"/>
+                        <a:cs typeface="+mn-cs"/>
+                      </a:endParaRPr>
+                    </a:p>
+                    <a:p>
+                      <a:pPr marL="285750" indent="-285750">
+                        <a:buFont typeface="Wingdings" panose="05000000000000000000" pitchFamily="2" charset="2"/>
+                        <a:buChar char="Ø"/>
+                      </a:pPr>
+                      <a:r>
+                        <a:rPr lang="en-US" sz="1800" b="0" i="0" kern="1200" dirty="0">
+                          <a:solidFill>
+                            <a:schemeClr val="tx1"/>
+                          </a:solidFill>
+                          <a:effectLst/>
+                          <a:latin typeface="+mn-lt"/>
+                          <a:ea typeface="+mn-ea"/>
+                          <a:cs typeface="+mn-cs"/>
+                        </a:rPr>
+                        <a:t>Tableau</a:t>
+                      </a:r>
+                    </a:p>
+                    <a:p>
+                      <a:pPr marL="285750" indent="-285750">
+                        <a:buFont typeface="Wingdings" panose="05000000000000000000" pitchFamily="2" charset="2"/>
+                        <a:buChar char="Ø"/>
+                      </a:pPr>
+                      <a:endParaRPr lang="en-US" sz="1800" b="0" i="0" kern="1200" dirty="0">
+                        <a:solidFill>
+                          <a:schemeClr val="tx1"/>
+                        </a:solidFill>
+                        <a:effectLst/>
+                        <a:latin typeface="+mn-lt"/>
+                        <a:ea typeface="+mn-ea"/>
+                        <a:cs typeface="+mn-cs"/>
+                      </a:endParaRPr>
+                    </a:p>
+                    <a:p>
+                      <a:pPr marL="285750" indent="-285750">
+                        <a:buFont typeface="Wingdings" panose="05000000000000000000" pitchFamily="2" charset="2"/>
+                        <a:buChar char="Ø"/>
+                      </a:pPr>
+                      <a:endParaRPr lang="en-US" sz="1400" cap="none" spc="0" dirty="0">
+                        <a:solidFill>
+                          <a:schemeClr val="tx1"/>
+                        </a:solidFill>
+                      </a:endParaRPr>
+                    </a:p>
+                  </a:txBody>
+                  <a:tcPr marL="151061" marR="151061" marT="151061" marB="151061">
+                    <a:lnL w="12700" cmpd="sng">
+                      <a:noFill/>
+                      <a:prstDash val="solid"/>
+                    </a:lnL>
+                    <a:lnR w="12700" cmpd="sng">
+                      <a:noFill/>
+                      <a:prstDash val="solid"/>
+                    </a:lnR>
+                    <a:lnT w="38100" cmpd="sng">
+                      <a:noFill/>
+                    </a:lnT>
+                    <a:lnB w="12700" cmpd="sng">
+                      <a:noFill/>
+                      <a:prstDash val="solid"/>
+                    </a:lnB>
+                    <a:noFill/>
+                  </a:tcPr>
+                </a:tc>
+                <a:extLst>
+                  <a:ext uri="{0D108BD9-81ED-4DB2-BD59-A6C34878D82A}">
+                    <a16:rowId xmlns:a16="http://schemas.microsoft.com/office/drawing/2014/main" val="2085369860"/>
+                  </a:ext>
+                </a:extLst>
+              </a:tr>
+              <a:tr h="505683">
+                <a:tc>
+                  <a:txBody>
+                    <a:bodyPr/>
+                    <a:lstStyle/>
+                    <a:p>
+                      <a:pPr marL="0" marR="0" lvl="0" indent="0" algn="l" defTabSz="914400" rtl="0" eaLnBrk="1" fontAlgn="auto" latinLnBrk="0" hangingPunct="1">
+                        <a:lnSpc>
+                          <a:spcPct val="100000"/>
+                        </a:lnSpc>
+                        <a:spcBef>
+                          <a:spcPts val="0"/>
+                        </a:spcBef>
+                        <a:spcAft>
+                          <a:spcPts val="0"/>
+                        </a:spcAft>
+                        <a:buClrTx/>
+                        <a:buSzTx/>
+                        <a:buFontTx/>
+                        <a:buNone/>
+                        <a:tabLst/>
+                        <a:defRPr/>
+                      </a:pPr>
+                      <a:endParaRPr lang="en-US" sz="1800" cap="none" spc="0" dirty="0">
+                        <a:solidFill>
+                          <a:schemeClr val="tx1"/>
+                        </a:solidFill>
+                      </a:endParaRPr>
+                    </a:p>
+                  </a:txBody>
+                  <a:tcPr marL="151061" marR="151061" marT="151061" marB="151061">
+                    <a:lnL w="12700" cmpd="sng">
+                      <a:noFill/>
+                      <a:prstDash val="solid"/>
+                    </a:lnL>
+                    <a:lnR w="12700" cmpd="sng">
+                      <a:noFill/>
+                      <a:prstDash val="solid"/>
+                    </a:lnR>
+                    <a:lnT w="12700" cmpd="sng">
+                      <a:noFill/>
+                      <a:prstDash val="solid"/>
+                    </a:lnT>
+                    <a:lnB w="12700" cmpd="sng">
+                      <a:noFill/>
+                      <a:prstDash val="solid"/>
+                    </a:lnB>
+                    <a:noFill/>
+                  </a:tcPr>
+                </a:tc>
+                <a:extLst>
+                  <a:ext uri="{0D108BD9-81ED-4DB2-BD59-A6C34878D82A}">
+                    <a16:rowId xmlns:a16="http://schemas.microsoft.com/office/drawing/2014/main" val="2578144993"/>
+                  </a:ext>
+                </a:extLst>
+              </a:tr>
+            </a:tbl>
+          </a:graphicData>
+        </a:graphic>
+      </p:graphicFrame>
+      <p:pic>
+        <p:nvPicPr>
+          <p:cNvPr id="5" name="Picture 4" descr="Logo, company name&#10;&#10;Description automatically generated">
+            <a:extLst>
+              <a:ext uri="{FF2B5EF4-FFF2-40B4-BE49-F238E27FC236}">
+                <a16:creationId xmlns:a16="http://schemas.microsoft.com/office/drawing/2014/main" id="{7B60DE3E-D5E1-39D2-90E7-38338CF1529A}"/>
+              </a:ext>
+            </a:extLst>
+          </p:cNvPr>
+          <p:cNvPicPr>
+            <a:picLocks noChangeAspect="1"/>
+          </p:cNvPicPr>
+          <p:nvPr/>
+        </p:nvPicPr>
+        <p:blipFill>
+          <a:blip r:embed="rId3"/>
+          <a:stretch>
+            <a:fillRect/>
+          </a:stretch>
+        </p:blipFill>
+        <p:spPr>
+          <a:xfrm>
+            <a:off x="2524418" y="3242386"/>
+            <a:ext cx="4035001" cy="1506895"/>
+          </a:xfrm>
+          <a:prstGeom prst="rect">
+            <a:avLst/>
+          </a:prstGeom>
+        </p:spPr>
+      </p:pic>
+      <p:pic>
+        <p:nvPicPr>
+          <p:cNvPr id="7" name="Picture 6" descr="Icon&#10;&#10;Description automatically generated">
+            <a:extLst>
+              <a:ext uri="{FF2B5EF4-FFF2-40B4-BE49-F238E27FC236}">
+                <a16:creationId xmlns:a16="http://schemas.microsoft.com/office/drawing/2014/main" id="{8970CAD0-2828-CEAE-6697-0960C352DEC6}"/>
+              </a:ext>
+            </a:extLst>
+          </p:cNvPr>
+          <p:cNvPicPr>
+            <a:picLocks noChangeAspect="1"/>
+          </p:cNvPicPr>
+          <p:nvPr/>
+        </p:nvPicPr>
+        <p:blipFill>
+          <a:blip r:embed="rId4"/>
+          <a:stretch>
+            <a:fillRect/>
+          </a:stretch>
+        </p:blipFill>
+        <p:spPr>
+          <a:xfrm>
+            <a:off x="6438900" y="3844535"/>
+            <a:ext cx="2798406" cy="1588828"/>
+          </a:xfrm>
+          <a:prstGeom prst="rect">
+            <a:avLst/>
+          </a:prstGeom>
+        </p:spPr>
+      </p:pic>
+      <p:pic>
+        <p:nvPicPr>
+          <p:cNvPr id="11" name="Picture 10" descr="Logo, company name&#10;&#10;Description automatically generated">
+            <a:extLst>
+              <a:ext uri="{FF2B5EF4-FFF2-40B4-BE49-F238E27FC236}">
+                <a16:creationId xmlns:a16="http://schemas.microsoft.com/office/drawing/2014/main" id="{F861951B-AC66-629F-1E24-B8B11C830AAC}"/>
+              </a:ext>
+            </a:extLst>
+          </p:cNvPr>
+          <p:cNvPicPr>
+            <a:picLocks noChangeAspect="1"/>
+          </p:cNvPicPr>
+          <p:nvPr/>
+        </p:nvPicPr>
+        <p:blipFill>
+          <a:blip r:embed="rId5"/>
+          <a:stretch>
+            <a:fillRect/>
+          </a:stretch>
+        </p:blipFill>
+        <p:spPr>
+          <a:xfrm>
+            <a:off x="2799184" y="5101199"/>
+            <a:ext cx="3909527" cy="917045"/>
+          </a:xfrm>
+          <a:prstGeom prst="rect">
+            <a:avLst/>
+          </a:prstGeom>
+        </p:spPr>
+      </p:pic>
+      <p:pic>
+        <p:nvPicPr>
+          <p:cNvPr id="13" name="Picture 12" descr="A picture containing text, clipart, vector graphics&#10;&#10;Description automatically generated">
+            <a:extLst>
+              <a:ext uri="{FF2B5EF4-FFF2-40B4-BE49-F238E27FC236}">
+                <a16:creationId xmlns:a16="http://schemas.microsoft.com/office/drawing/2014/main" id="{4F8712DD-5759-95C3-435E-A90DC5E99685}"/>
+              </a:ext>
+            </a:extLst>
+          </p:cNvPr>
+          <p:cNvPicPr>
+            <a:picLocks noChangeAspect="1"/>
+          </p:cNvPicPr>
+          <p:nvPr/>
+        </p:nvPicPr>
+        <p:blipFill>
+          <a:blip r:embed="rId6"/>
+          <a:stretch>
+            <a:fillRect/>
+          </a:stretch>
+        </p:blipFill>
+        <p:spPr>
+          <a:xfrm>
+            <a:off x="8754059" y="3641795"/>
+            <a:ext cx="3188736" cy="2214971"/>
+          </a:xfrm>
+          <a:prstGeom prst="rect">
+            <a:avLst/>
+          </a:prstGeom>
+        </p:spPr>
+      </p:pic>
+    </p:spTree>
+    <p:extLst>
+      <p:ext uri="{BB962C8B-B14F-4D97-AF65-F5344CB8AC3E}">
+        <p14:creationId xmlns:p14="http://schemas.microsoft.com/office/powerpoint/2010/main" val="990965214"/>
+      </p:ext>
+    </p:extLst>
+  </p:cSld>
+  <p:clrMapOvr>
+    <a:masterClrMapping/>
+  </p:clrMapOvr>
+</p:sld>
+</file>
+
+<file path=ppt/slides/slide5.xml><?xml version="1.0" encoding="utf-8"?>
+<p:sld xmlns:a="http://schemas.openxmlformats.org/drawingml/2006/main" xmlns:r="http://schemas.openxmlformats.org/officeDocument/2006/relationships" xmlns:p="http://schemas.openxmlformats.org/presentationml/2006/main">
+  <p:cSld>
+    <p:bg>
+      <p:bgPr>
+        <a:solidFill>
+          <a:schemeClr val="bg1"/>
+        </a:solidFill>
+        <a:effectLst/>
+      </p:bgPr>
+    </p:bg>
+    <p:spTree>
+      <p:nvGrpSpPr>
+        <p:cNvPr id="1" name=""/>
+        <p:cNvGrpSpPr/>
+        <p:nvPr/>
+      </p:nvGrpSpPr>
+      <p:grpSpPr>
+        <a:xfrm>
+          <a:off x="0" y="0"/>
+          <a:ext cx="0" cy="0"/>
+          <a:chOff x="0" y="0"/>
+          <a:chExt cx="0" cy="0"/>
+        </a:xfrm>
+      </p:grpSpPr>
+      <p:sp>
+        <p:nvSpPr>
+          <p:cNvPr id="2" name="Title 1">
+            <a:extLst>
+              <a:ext uri="{FF2B5EF4-FFF2-40B4-BE49-F238E27FC236}">
+                <a16:creationId xmlns:a16="http://schemas.microsoft.com/office/drawing/2014/main" id="{75AC86D3-8FD1-4F47-A319-7D0542E48B2F}"/>
+              </a:ext>
+            </a:extLst>
+          </p:cNvPr>
+          <p:cNvSpPr>
+            <a:spLocks noGrp="1"/>
+          </p:cNvSpPr>
+          <p:nvPr>
+            <p:ph type="title"/>
+          </p:nvPr>
+        </p:nvSpPr>
+        <p:spPr>
+          <a:xfrm>
+            <a:off x="223934" y="367849"/>
+            <a:ext cx="10058400" cy="917045"/>
+          </a:xfrm>
+        </p:spPr>
+        <p:txBody>
+          <a:bodyPr vert="horz" lIns="91440" tIns="45720" rIns="91440" bIns="45720" rtlCol="0">
+            <a:normAutofit/>
+          </a:bodyPr>
+          <a:lstStyle/>
+          <a:p>
+            <a:r>
+              <a:rPr lang="en-US" dirty="0"/>
+              <a:t>Data Exploration</a:t>
+            </a:r>
+          </a:p>
+        </p:txBody>
+      </p:sp>
+      <p:graphicFrame>
+        <p:nvGraphicFramePr>
+          <p:cNvPr id="4" name="Table 4">
+            <a:extLst>
+              <a:ext uri="{FF2B5EF4-FFF2-40B4-BE49-F238E27FC236}">
+                <a16:creationId xmlns:a16="http://schemas.microsoft.com/office/drawing/2014/main" id="{C266CDD0-3E96-40BD-8324-62D1DD86152D}"/>
+              </a:ext>
+            </a:extLst>
+          </p:cNvPr>
+          <p:cNvGraphicFramePr>
+            <a:graphicFrameLocks noGrp="1"/>
+          </p:cNvGraphicFramePr>
+          <p:nvPr>
+            <p:ph idx="1"/>
+            <p:extLst>
+              <p:ext uri="{D42A27DB-BD31-4B8C-83A1-F6EECF244321}">
+                <p14:modId xmlns:p14="http://schemas.microsoft.com/office/powerpoint/2010/main" val="4944942"/>
+              </p:ext>
+            </p:extLst>
+          </p:nvPr>
+        </p:nvGraphicFramePr>
+        <p:xfrm>
+          <a:off x="223934" y="1284894"/>
+          <a:ext cx="11756571" cy="5112606"/>
         </p:xfrm>
         <a:graphic>
           <a:graphicData uri="http://schemas.openxmlformats.org/drawingml/2006/table">
@@ -4869,6 +5468,39 @@
                       </a:r>
                     </a:p>
                     <a:p>
+                      <a:endParaRPr lang="en-US" sz="1800" b="0" i="0" kern="1200" cap="none" spc="0" dirty="0">
+                        <a:solidFill>
+                          <a:schemeClr val="tx1"/>
+                        </a:solidFill>
+                        <a:effectLst/>
+                        <a:latin typeface="+mn-lt"/>
+                        <a:ea typeface="+mn-ea"/>
+                        <a:cs typeface="+mn-cs"/>
+                      </a:endParaRPr>
+                    </a:p>
+                    <a:p>
+                      <a:pPr marL="285750" indent="-285750">
+                        <a:buFont typeface="Wingdings" panose="05000000000000000000" pitchFamily="2" charset="2"/>
+                        <a:buChar char="Ø"/>
+                      </a:pPr>
+                      <a:r>
+                        <a:rPr lang="en-US" sz="1800" b="0" i="0" kern="1200" cap="none" spc="0" dirty="0">
+                          <a:solidFill>
+                            <a:schemeClr val="tx1"/>
+                          </a:solidFill>
+                          <a:effectLst/>
+                          <a:latin typeface="+mn-lt"/>
+                          <a:ea typeface="+mn-ea"/>
+                          <a:cs typeface="+mn-cs"/>
+                        </a:rPr>
+                        <a:t>The dataset shape was </a:t>
+                      </a:r>
+                    </a:p>
+                    <a:p>
+                      <a:pPr marL="285750" indent="-285750">
+                        <a:buFont typeface="Wingdings" panose="05000000000000000000" pitchFamily="2" charset="2"/>
+                        <a:buChar char="Ø"/>
+                      </a:pPr>
                       <a:endParaRPr lang="en-US" sz="1800" b="0" i="0" kern="1200" cap="none" spc="0" dirty="0">
                         <a:solidFill>
                           <a:schemeClr val="tx1"/>
@@ -4984,7 +5616,7 @@
                           <a:ea typeface="+mn-ea"/>
                           <a:cs typeface="+mn-cs"/>
                         </a:rPr>
-                        <a:t>Approximately 20 columns had excessive null values.</a:t>
+                        <a:t>Approximately 20 columns had excessive null values. </a:t>
                       </a:r>
                     </a:p>
                     <a:p>
@@ -5144,10 +5776,111 @@
           </a:graphicData>
         </a:graphic>
       </p:graphicFrame>
+      <p:pic>
+        <p:nvPicPr>
+          <p:cNvPr id="5" name="Picture 4">
+            <a:extLst>
+              <a:ext uri="{FF2B5EF4-FFF2-40B4-BE49-F238E27FC236}">
+                <a16:creationId xmlns:a16="http://schemas.microsoft.com/office/drawing/2014/main" id="{49D8309C-D446-5205-1F7E-93B24AEAB0C2}"/>
+              </a:ext>
+            </a:extLst>
+          </p:cNvPr>
+          <p:cNvPicPr>
+            <a:picLocks noChangeAspect="1"/>
+          </p:cNvPicPr>
+          <p:nvPr/>
+        </p:nvPicPr>
+        <p:blipFill>
+          <a:blip r:embed="rId3"/>
+          <a:stretch>
+            <a:fillRect/>
+          </a:stretch>
+        </p:blipFill>
+        <p:spPr>
+          <a:xfrm>
+            <a:off x="2962880" y="2437277"/>
+            <a:ext cx="2560842" cy="669817"/>
+          </a:xfrm>
+          <a:prstGeom prst="rect">
+            <a:avLst/>
+          </a:prstGeom>
+        </p:spPr>
+      </p:pic>
+      <p:pic>
+        <p:nvPicPr>
+          <p:cNvPr id="7" name="Picture 6">
+            <a:extLst>
+              <a:ext uri="{FF2B5EF4-FFF2-40B4-BE49-F238E27FC236}">
+                <a16:creationId xmlns:a16="http://schemas.microsoft.com/office/drawing/2014/main" id="{6393C4AE-7107-D3C0-6C8A-AEB575FC1C3B}"/>
+              </a:ext>
+            </a:extLst>
+          </p:cNvPr>
+          <p:cNvPicPr>
+            <a:picLocks noChangeAspect="1"/>
+          </p:cNvPicPr>
+          <p:nvPr/>
+        </p:nvPicPr>
+        <p:blipFill>
+          <a:blip r:embed="rId4"/>
+          <a:stretch>
+            <a:fillRect/>
+          </a:stretch>
+        </p:blipFill>
+        <p:spPr>
+          <a:xfrm>
+            <a:off x="7634005" y="2997656"/>
+            <a:ext cx="4346500" cy="1687082"/>
+          </a:xfrm>
+          <a:prstGeom prst="rect">
+            <a:avLst/>
+          </a:prstGeom>
+        </p:spPr>
+      </p:pic>
+      <p:cxnSp>
+        <p:nvCxnSpPr>
+          <p:cNvPr id="9" name="Straight Arrow Connector 8">
+            <a:extLst>
+              <a:ext uri="{FF2B5EF4-FFF2-40B4-BE49-F238E27FC236}">
+                <a16:creationId xmlns:a16="http://schemas.microsoft.com/office/drawing/2014/main" id="{DAC4C19F-2C3C-4AB3-9BCD-3A0303BAD04F}"/>
+              </a:ext>
+            </a:extLst>
+          </p:cNvPr>
+          <p:cNvCxnSpPr>
+            <a:cxnSpLocks/>
+          </p:cNvCxnSpPr>
+          <p:nvPr/>
+        </p:nvCxnSpPr>
+        <p:spPr>
+          <a:xfrm flipV="1">
+            <a:off x="5943600" y="4012163"/>
+            <a:ext cx="1690405" cy="447870"/>
+          </a:xfrm>
+          <a:prstGeom prst="straightConnector1">
+            <a:avLst/>
+          </a:prstGeom>
+          <a:ln w="50800">
+            <a:tailEnd type="triangle"/>
+          </a:ln>
+        </p:spPr>
+        <p:style>
+          <a:lnRef idx="1">
+            <a:schemeClr val="accent1"/>
+          </a:lnRef>
+          <a:fillRef idx="0">
+            <a:schemeClr val="accent1"/>
+          </a:fillRef>
+          <a:effectRef idx="0">
+            <a:schemeClr val="accent1"/>
+          </a:effectRef>
+          <a:fontRef idx="minor">
+            <a:schemeClr val="tx1"/>
+          </a:fontRef>
+        </p:style>
+      </p:cxnSp>
     </p:spTree>
     <p:extLst>
       <p:ext uri="{BB962C8B-B14F-4D97-AF65-F5344CB8AC3E}">
-        <p14:creationId xmlns:p14="http://schemas.microsoft.com/office/powerpoint/2010/main" val="990965214"/>
+        <p14:creationId xmlns:p14="http://schemas.microsoft.com/office/powerpoint/2010/main" val="1494598166"/>
       </p:ext>
     </p:extLst>
   </p:cSld>
@@ -5157,7 +5890,7 @@
 </p:sld>
 </file>
 
-<file path=ppt/slides/slide5.xml><?xml version="1.0" encoding="utf-8"?>
+<file path=ppt/slides/slide6.xml><?xml version="1.0" encoding="utf-8"?>
 <p:sld xmlns:a="http://schemas.openxmlformats.org/drawingml/2006/main" xmlns:r="http://schemas.openxmlformats.org/officeDocument/2006/relationships" xmlns:p="http://schemas.openxmlformats.org/presentationml/2006/main">
   <p:cSld>
     <p:bg>
@@ -5664,7 +6397,7 @@
 </p:sld>
 </file>
 
-<file path=ppt/slides/slide6.xml><?xml version="1.0" encoding="utf-8"?>
+<file path=ppt/slides/slide7.xml><?xml version="1.0" encoding="utf-8"?>
 <p:sld xmlns:a="http://schemas.openxmlformats.org/drawingml/2006/main" xmlns:r="http://schemas.openxmlformats.org/officeDocument/2006/relationships" xmlns:p="http://schemas.openxmlformats.org/presentationml/2006/main">
   <p:cSld>
     <p:bg>
@@ -6624,6 +7357,49 @@
 </a:themeOverride>
 </file>
 
+<file path=ppt/theme/themeOverride6.xml><?xml version="1.0" encoding="utf-8"?>
+<a:themeOverride xmlns:a="http://schemas.openxmlformats.org/drawingml/2006/main">
+  <a:clrScheme name="Parcel">
+    <a:dk1>
+      <a:srgbClr val="000000"/>
+    </a:dk1>
+    <a:lt1>
+      <a:srgbClr val="FFFFFF"/>
+    </a:lt1>
+    <a:dk2>
+      <a:srgbClr val="4A5356"/>
+    </a:dk2>
+    <a:lt2>
+      <a:srgbClr val="E8E3CE"/>
+    </a:lt2>
+    <a:accent1>
+      <a:srgbClr val="F6A21D"/>
+    </a:accent1>
+    <a:accent2>
+      <a:srgbClr val="9BAFB5"/>
+    </a:accent2>
+    <a:accent3>
+      <a:srgbClr val="C96731"/>
+    </a:accent3>
+    <a:accent4>
+      <a:srgbClr val="9CA383"/>
+    </a:accent4>
+    <a:accent5>
+      <a:srgbClr val="87795D"/>
+    </a:accent5>
+    <a:accent6>
+      <a:srgbClr val="A0988C"/>
+    </a:accent6>
+    <a:hlink>
+      <a:srgbClr val="00B0F0"/>
+    </a:hlink>
+    <a:folHlink>
+      <a:srgbClr val="738F97"/>
+    </a:folHlink>
+  </a:clrScheme>
+</a:themeOverride>
+</file>
+
 <file path=customXml/item1.xml><?xml version="1.0" encoding="utf-8"?>
 <p:properties xmlns:p="http://schemas.microsoft.com/office/2006/metadata/properties" xmlns:xsi="http://www.w3.org/2001/XMLSchema-instance" xmlns:pc="http://schemas.microsoft.com/office/infopath/2007/PartnerControls">
   <documentManagement>
@@ -6634,6 +7410,15 @@
 </file>
 
 <file path=customXml/item2.xml><?xml version="1.0" encoding="utf-8"?>
+<?mso-contentType ?>
+<FormTemplates xmlns="http://schemas.microsoft.com/sharepoint/v3/contenttype/forms">
+  <Display>DocumentLibraryForm</Display>
+  <Edit>DocumentLibraryForm</Edit>
+  <New>DocumentLibraryForm</New>
+</FormTemplates>
+</file>
+
+<file path=customXml/item3.xml><?xml version="1.0" encoding="utf-8"?>
 <ct:contentTypeSchema xmlns:ct="http://schemas.microsoft.com/office/2006/metadata/contentType" xmlns:ma="http://schemas.microsoft.com/office/2006/metadata/properties/metaAttributes" ct:_="" ma:_="" ma:contentTypeName="Document" ma:contentTypeID="0x01010079F111ED35F8CC479449609E8A0923A6" ma:contentTypeVersion="12" ma:contentTypeDescription="Create a new document." ma:contentTypeScope="" ma:versionID="a410dd7f93c95333ffa1b60ed6adedd1">
   <xsd:schema xmlns:xsd="http://www.w3.org/2001/XMLSchema" xmlns:xs="http://www.w3.org/2001/XMLSchema" xmlns:p="http://schemas.microsoft.com/office/2006/metadata/properties" xmlns:ns2="71af3243-3dd4-4a8d-8c0d-dd76da1f02a5" xmlns:ns3="16c05727-aa75-4e4a-9b5f-8a80a1165891" targetNamespace="http://schemas.microsoft.com/office/2006/metadata/properties" ma:root="true" ma:fieldsID="a936d9baba76aa3866493feff160faab" ns2:_="" ns3:_="">
     <xsd:import namespace="71af3243-3dd4-4a8d-8c0d-dd76da1f02a5"/>
@@ -6854,15 +7639,6 @@
 </ct:contentTypeSchema>
 </file>
 
-<file path=customXml/item3.xml><?xml version="1.0" encoding="utf-8"?>
-<?mso-contentType ?>
-<FormTemplates xmlns="http://schemas.microsoft.com/sharepoint/v3/contenttype/forms">
-  <Display>DocumentLibraryForm</Display>
-  <Edit>DocumentLibraryForm</Edit>
-  <New>DocumentLibraryForm</New>
-</FormTemplates>
-</file>
-
 <file path=customXml/itemProps1.xml><?xml version="1.0" encoding="utf-8"?>
 <ds:datastoreItem xmlns:ds="http://schemas.openxmlformats.org/officeDocument/2006/customXml" ds:itemID="{A03EEFF0-FB57-4CB4-8BFC-DF397689E2ED}">
   <ds:schemaRefs>
@@ -6874,6 +7650,14 @@
 </file>
 
 <file path=customXml/itemProps2.xml><?xml version="1.0" encoding="utf-8"?>
+<ds:datastoreItem xmlns:ds="http://schemas.openxmlformats.org/officeDocument/2006/customXml" ds:itemID="{AA3F7EDC-E5B4-4BBC-9D2A-CBE6D46C37AD}">
+  <ds:schemaRefs>
+    <ds:schemaRef ds:uri="http://schemas.microsoft.com/sharepoint/v3/contenttype/forms"/>
+  </ds:schemaRefs>
+</ds:datastoreItem>
+</file>
+
+<file path=customXml/itemProps3.xml><?xml version="1.0" encoding="utf-8"?>
 <ds:datastoreItem xmlns:ds="http://schemas.openxmlformats.org/officeDocument/2006/customXml" ds:itemID="{93932EF5-314F-409E-8020-FEE5FA0795B9}">
   <ds:schemaRefs>
     <ds:schemaRef ds:uri="http://schemas.microsoft.com/office/2006/metadata/contentType"/>
@@ -6890,12 +7674,4 @@
     <ds:schemaRef ds:uri="http://schemas.microsoft.com/internal/obd"/>
   </ds:schemaRefs>
 </ds:datastoreItem>
-</file>
-
-<file path=customXml/itemProps3.xml><?xml version="1.0" encoding="utf-8"?>
-<ds:datastoreItem xmlns:ds="http://schemas.openxmlformats.org/officeDocument/2006/customXml" ds:itemID="{AA3F7EDC-E5B4-4BBC-9D2A-CBE6D46C37AD}">
-  <ds:schemaRefs>
-    <ds:schemaRef ds:uri="http://schemas.microsoft.com/sharepoint/v3/contenttype/forms"/>
-  </ds:schemaRefs>
-</ds:datastoreItem>
 </file>
--- a/Final_Project_Slides_Draft2.pptx
+++ b/Final_Project_Slides_Draft2.pptx
@@ -12,6 +12,7 @@
     <p:sldId id="306" r:id="rId9"/>
     <p:sldId id="303" r:id="rId10"/>
     <p:sldId id="304" r:id="rId11"/>
+    <p:sldId id="307" r:id="rId12"/>
   </p:sldIdLst>
   <p:sldSz cx="12192000" cy="6858000"/>
   <p:notesSz cx="6858000" cy="9144000"/>
@@ -6452,7 +6453,7 @@
           <a:p>
             <a:r>
               <a:rPr lang="en-US" dirty="0"/>
-              <a:t>Dashboard Outline - Tableau</a:t>
+              <a:t>Important Factors</a:t>
             </a:r>
           </a:p>
         </p:txBody>
@@ -6473,9 +6474,410 @@
             <p:ph idx="1"/>
             <p:extLst>
               <p:ext uri="{D42A27DB-BD31-4B8C-83A1-F6EECF244321}">
-                <p14:modId xmlns:p14="http://schemas.microsoft.com/office/powerpoint/2010/main" val="560315776"/>
+                <p14:modId xmlns:p14="http://schemas.microsoft.com/office/powerpoint/2010/main" val="2555983214"/>
               </p:ext>
             </p:extLst>
+          </p:nvPr>
+        </p:nvGraphicFramePr>
+        <p:xfrm>
+          <a:off x="223934" y="1284894"/>
+          <a:ext cx="11756571" cy="2266058"/>
+        </p:xfrm>
+        <a:graphic>
+          <a:graphicData uri="http://schemas.openxmlformats.org/drawingml/2006/table">
+            <a:tbl>
+              <a:tblPr firstRow="1" bandRow="1">
+                <a:noFill/>
+                <a:tableStyleId>{3B4B98B0-60AC-42C2-AFA5-B58CD77FA1E5}</a:tableStyleId>
+              </a:tblPr>
+              <a:tblGrid>
+                <a:gridCol w="11756571">
+                  <a:extLst>
+                    <a:ext uri="{9D8B030D-6E8A-4147-A177-3AD203B41FA5}">
+                      <a16:colId xmlns:a16="http://schemas.microsoft.com/office/drawing/2014/main" val="2981917977"/>
+                    </a:ext>
+                  </a:extLst>
+                </a:gridCol>
+              </a:tblGrid>
+              <a:tr h="0">
+                <a:tc>
+                  <a:txBody>
+                    <a:bodyPr/>
+                    <a:lstStyle/>
+                    <a:p>
+                      <a:endParaRPr lang="en-US" sz="2400" b="0" cap="all" spc="150" dirty="0">
+                        <a:solidFill>
+                          <a:schemeClr val="lt1"/>
+                        </a:solidFill>
+                      </a:endParaRPr>
+                    </a:p>
+                  </a:txBody>
+                  <a:tcPr marL="151061" marR="151061" marT="151061" marB="151061">
+                    <a:lnL w="12700" cmpd="sng">
+                      <a:noFill/>
+                    </a:lnL>
+                    <a:lnR w="12700" cmpd="sng">
+                      <a:noFill/>
+                    </a:lnR>
+                    <a:lnT w="12700" cmpd="sng">
+                      <a:noFill/>
+                    </a:lnT>
+                    <a:lnB w="38100" cmpd="sng">
+                      <a:noFill/>
+                    </a:lnB>
+                    <a:solidFill>
+                      <a:schemeClr val="accent1"/>
+                    </a:solidFill>
+                  </a:tcPr>
+                </a:tc>
+                <a:extLst>
+                  <a:ext uri="{0D108BD9-81ED-4DB2-BD59-A6C34878D82A}">
+                    <a16:rowId xmlns:a16="http://schemas.microsoft.com/office/drawing/2014/main" val="2580512675"/>
+                  </a:ext>
+                </a:extLst>
+              </a:tr>
+              <a:tr h="1021734">
+                <a:tc>
+                  <a:txBody>
+                    <a:bodyPr/>
+                    <a:lstStyle/>
+                    <a:p>
+                      <a:pPr marL="285750" marR="0" lvl="0" indent="-285750" algn="l" defTabSz="914400" rtl="0" eaLnBrk="1" fontAlgn="auto" latinLnBrk="0" hangingPunct="1">
+                        <a:lnSpc>
+                          <a:spcPct val="100000"/>
+                        </a:lnSpc>
+                        <a:spcBef>
+                          <a:spcPts val="0"/>
+                        </a:spcBef>
+                        <a:spcAft>
+                          <a:spcPts val="0"/>
+                        </a:spcAft>
+                        <a:buClrTx/>
+                        <a:buSzTx/>
+                        <a:buFont typeface="Wingdings" panose="05000000000000000000" pitchFamily="2" charset="2"/>
+                        <a:buChar char="v"/>
+                        <a:tabLst/>
+                        <a:defRPr/>
+                      </a:pPr>
+                      <a:r>
+                        <a:rPr kumimoji="0" lang="en-US" sz="2800" b="1" i="0" u="none" strike="noStrike" kern="1200" cap="none" spc="0" normalizeH="0" baseline="0" noProof="0" dirty="0">
+                          <a:ln>
+                            <a:noFill/>
+                          </a:ln>
+                          <a:solidFill>
+                            <a:srgbClr val="000000"/>
+                          </a:solidFill>
+                          <a:effectLst/>
+                          <a:uLnTx/>
+                          <a:uFillTx/>
+                          <a:latin typeface="+mn-lt"/>
+                          <a:ea typeface="+mn-ea"/>
+                          <a:cs typeface="+mn-cs"/>
+                        </a:rPr>
+                        <a:t>What are the main factors to consider when approving a loan?</a:t>
+                      </a:r>
+                    </a:p>
+                    <a:p>
+                      <a:endParaRPr lang="en-US" sz="1800" b="0" i="0" kern="1200" cap="none" spc="0" dirty="0">
+                        <a:solidFill>
+                          <a:schemeClr val="tx1"/>
+                        </a:solidFill>
+                        <a:effectLst/>
+                        <a:latin typeface="+mn-lt"/>
+                        <a:ea typeface="+mn-ea"/>
+                        <a:cs typeface="+mn-cs"/>
+                      </a:endParaRPr>
+                    </a:p>
+                  </a:txBody>
+                  <a:tcPr marL="151061" marR="151061" marT="151061" marB="151061">
+                    <a:lnL w="12700" cmpd="sng">
+                      <a:noFill/>
+                      <a:prstDash val="solid"/>
+                    </a:lnL>
+                    <a:lnR w="12700" cmpd="sng">
+                      <a:noFill/>
+                      <a:prstDash val="solid"/>
+                    </a:lnR>
+                    <a:lnT w="38100" cmpd="sng">
+                      <a:noFill/>
+                    </a:lnT>
+                    <a:lnB w="12700" cmpd="sng">
+                      <a:noFill/>
+                      <a:prstDash val="solid"/>
+                    </a:lnB>
+                    <a:noFill/>
+                  </a:tcPr>
+                </a:tc>
+                <a:extLst>
+                  <a:ext uri="{0D108BD9-81ED-4DB2-BD59-A6C34878D82A}">
+                    <a16:rowId xmlns:a16="http://schemas.microsoft.com/office/drawing/2014/main" val="2085369860"/>
+                  </a:ext>
+                </a:extLst>
+              </a:tr>
+              <a:tr h="0">
+                <a:tc>
+                  <a:txBody>
+                    <a:bodyPr/>
+                    <a:lstStyle/>
+                    <a:p>
+                      <a:pPr marL="0" marR="0" lvl="0" indent="0" algn="l" defTabSz="914400" rtl="0" eaLnBrk="1" fontAlgn="auto" latinLnBrk="0" hangingPunct="1">
+                        <a:lnSpc>
+                          <a:spcPct val="100000"/>
+                        </a:lnSpc>
+                        <a:spcBef>
+                          <a:spcPts val="0"/>
+                        </a:spcBef>
+                        <a:spcAft>
+                          <a:spcPts val="0"/>
+                        </a:spcAft>
+                        <a:buClrTx/>
+                        <a:buSzTx/>
+                        <a:buFontTx/>
+                        <a:buNone/>
+                        <a:tabLst/>
+                        <a:defRPr/>
+                      </a:pPr>
+                      <a:endParaRPr lang="en-US" sz="1800" cap="none" spc="0" dirty="0">
+                        <a:solidFill>
+                          <a:schemeClr val="tx1"/>
+                        </a:solidFill>
+                      </a:endParaRPr>
+                    </a:p>
+                  </a:txBody>
+                  <a:tcPr marL="151061" marR="151061" marT="151061" marB="151061">
+                    <a:lnL w="12700" cmpd="sng">
+                      <a:noFill/>
+                      <a:prstDash val="solid"/>
+                    </a:lnL>
+                    <a:lnR w="12700" cmpd="sng">
+                      <a:noFill/>
+                      <a:prstDash val="solid"/>
+                    </a:lnR>
+                    <a:lnT w="12700" cmpd="sng">
+                      <a:noFill/>
+                      <a:prstDash val="solid"/>
+                    </a:lnT>
+                    <a:lnB w="12700" cmpd="sng">
+                      <a:noFill/>
+                      <a:prstDash val="solid"/>
+                    </a:lnB>
+                    <a:noFill/>
+                  </a:tcPr>
+                </a:tc>
+                <a:extLst>
+                  <a:ext uri="{0D108BD9-81ED-4DB2-BD59-A6C34878D82A}">
+                    <a16:rowId xmlns:a16="http://schemas.microsoft.com/office/drawing/2014/main" val="2578144993"/>
+                  </a:ext>
+                </a:extLst>
+              </a:tr>
+            </a:tbl>
+          </a:graphicData>
+        </a:graphic>
+      </p:graphicFrame>
+      <p:pic>
+        <p:nvPicPr>
+          <p:cNvPr id="7" name="Picture 6" descr="Text, letter&#10;&#10;Description automatically generated">
+            <a:extLst>
+              <a:ext uri="{FF2B5EF4-FFF2-40B4-BE49-F238E27FC236}">
+                <a16:creationId xmlns:a16="http://schemas.microsoft.com/office/drawing/2014/main" id="{7AA22FC6-031E-3BB8-5A9D-2D5F26FEE4B8}"/>
+              </a:ext>
+            </a:extLst>
+          </p:cNvPr>
+          <p:cNvPicPr>
+            <a:picLocks noChangeAspect="1"/>
+          </p:cNvPicPr>
+          <p:nvPr/>
+        </p:nvPicPr>
+        <p:blipFill>
+          <a:blip r:embed="rId3"/>
+          <a:stretch>
+            <a:fillRect/>
+          </a:stretch>
+        </p:blipFill>
+        <p:spPr>
+          <a:xfrm>
+            <a:off x="6695116" y="2743201"/>
+            <a:ext cx="5090601" cy="3545632"/>
+          </a:xfrm>
+          <a:prstGeom prst="rect">
+            <a:avLst/>
+          </a:prstGeom>
+        </p:spPr>
+      </p:pic>
+      <p:sp>
+        <p:nvSpPr>
+          <p:cNvPr id="8" name="TextBox 7">
+            <a:extLst>
+              <a:ext uri="{FF2B5EF4-FFF2-40B4-BE49-F238E27FC236}">
+                <a16:creationId xmlns:a16="http://schemas.microsoft.com/office/drawing/2014/main" id="{EC19287C-2712-1931-2187-EA1740DDFF1B}"/>
+              </a:ext>
+            </a:extLst>
+          </p:cNvPr>
+          <p:cNvSpPr txBox="1"/>
+          <p:nvPr/>
+        </p:nvSpPr>
+        <p:spPr>
+          <a:xfrm>
+            <a:off x="485193" y="2743201"/>
+            <a:ext cx="6209924" cy="3170099"/>
+          </a:xfrm>
+          <a:prstGeom prst="rect">
+            <a:avLst/>
+          </a:prstGeom>
+          <a:noFill/>
+        </p:spPr>
+        <p:txBody>
+          <a:bodyPr wrap="square" rtlCol="0">
+            <a:spAutoFit/>
+          </a:bodyPr>
+          <a:lstStyle/>
+          <a:p>
+            <a:pPr marL="285750" indent="-285750">
+              <a:buFont typeface="Arial" panose="020B0604020202020204" pitchFamily="34" charset="0"/>
+              <a:buChar char="•"/>
+            </a:pPr>
+            <a:r>
+              <a:rPr lang="en-US" sz="2000" dirty="0"/>
+              <a:t>The results showed that Debt to Income Ratio was the most important factor in the machine learning model at 7.7%.</a:t>
+            </a:r>
+          </a:p>
+          <a:p>
+            <a:pPr marL="285750" indent="-285750">
+              <a:buFont typeface="Arial" panose="020B0604020202020204" pitchFamily="34" charset="0"/>
+              <a:buChar char="•"/>
+            </a:pPr>
+            <a:r>
+              <a:rPr lang="en-US" sz="2000" dirty="0"/>
+              <a:t>The applicants Total Open Balance excluding their mortgage account was 2</a:t>
+            </a:r>
+            <a:r>
+              <a:rPr lang="en-US" sz="2000" baseline="30000" dirty="0"/>
+              <a:t>nd</a:t>
+            </a:r>
+            <a:r>
+              <a:rPr lang="en-US" sz="2000" dirty="0"/>
+              <a:t> at 7.5%.</a:t>
+            </a:r>
+          </a:p>
+          <a:p>
+            <a:pPr marL="285750" indent="-285750">
+              <a:buFont typeface="Arial" panose="020B0604020202020204" pitchFamily="34" charset="0"/>
+              <a:buChar char="•"/>
+            </a:pPr>
+            <a:r>
+              <a:rPr lang="en-US" sz="2000" dirty="0"/>
+              <a:t>Monthly Payment was 7.4%</a:t>
+            </a:r>
+          </a:p>
+          <a:p>
+            <a:pPr marL="285750" indent="-285750">
+              <a:buFont typeface="Arial" panose="020B0604020202020204" pitchFamily="34" charset="0"/>
+              <a:buChar char="•"/>
+            </a:pPr>
+            <a:r>
+              <a:rPr lang="en-US" sz="2000" dirty="0"/>
+              <a:t>3 of the Top 5 Factors had to do with the applicants open balance information.</a:t>
+            </a:r>
+          </a:p>
+          <a:p>
+            <a:pPr marL="285750" indent="-285750">
+              <a:buFont typeface="Arial" panose="020B0604020202020204" pitchFamily="34" charset="0"/>
+              <a:buChar char="•"/>
+            </a:pPr>
+            <a:r>
+              <a:rPr lang="en-US" sz="2000" dirty="0"/>
+              <a:t>3 of the Top 10 referred to the number of open accounts the applicant had.</a:t>
+            </a:r>
+          </a:p>
+        </p:txBody>
+      </p:sp>
+    </p:spTree>
+    <p:extLst>
+      <p:ext uri="{BB962C8B-B14F-4D97-AF65-F5344CB8AC3E}">
+        <p14:creationId xmlns:p14="http://schemas.microsoft.com/office/powerpoint/2010/main" val="1132588016"/>
+      </p:ext>
+    </p:extLst>
+  </p:cSld>
+  <p:clrMapOvr>
+    <a:masterClrMapping/>
+  </p:clrMapOvr>
+</p:sld>
+</file>
+
+<file path=ppt/slides/slide8.xml><?xml version="1.0" encoding="utf-8"?>
+<p:sld xmlns:a="http://schemas.openxmlformats.org/drawingml/2006/main" xmlns:r="http://schemas.openxmlformats.org/officeDocument/2006/relationships" xmlns:p="http://schemas.openxmlformats.org/presentationml/2006/main">
+  <p:cSld>
+    <p:bg>
+      <p:bgPr>
+        <a:solidFill>
+          <a:schemeClr val="bg1"/>
+        </a:solidFill>
+        <a:effectLst/>
+      </p:bgPr>
+    </p:bg>
+    <p:spTree>
+      <p:nvGrpSpPr>
+        <p:cNvPr id="1" name=""/>
+        <p:cNvGrpSpPr/>
+        <p:nvPr/>
+      </p:nvGrpSpPr>
+      <p:grpSpPr>
+        <a:xfrm>
+          <a:off x="0" y="0"/>
+          <a:ext cx="0" cy="0"/>
+          <a:chOff x="0" y="0"/>
+          <a:chExt cx="0" cy="0"/>
+        </a:xfrm>
+      </p:grpSpPr>
+      <p:sp>
+        <p:nvSpPr>
+          <p:cNvPr id="2" name="Title 1">
+            <a:extLst>
+              <a:ext uri="{FF2B5EF4-FFF2-40B4-BE49-F238E27FC236}">
+                <a16:creationId xmlns:a16="http://schemas.microsoft.com/office/drawing/2014/main" id="{75AC86D3-8FD1-4F47-A319-7D0542E48B2F}"/>
+              </a:ext>
+            </a:extLst>
+          </p:cNvPr>
+          <p:cNvSpPr>
+            <a:spLocks noGrp="1"/>
+          </p:cNvSpPr>
+          <p:nvPr>
+            <p:ph type="title"/>
+          </p:nvPr>
+        </p:nvSpPr>
+        <p:spPr>
+          <a:xfrm>
+            <a:off x="223934" y="367849"/>
+            <a:ext cx="10058400" cy="917045"/>
+          </a:xfrm>
+        </p:spPr>
+        <p:txBody>
+          <a:bodyPr vert="horz" lIns="91440" tIns="45720" rIns="91440" bIns="45720" rtlCol="0">
+            <a:normAutofit/>
+          </a:bodyPr>
+          <a:lstStyle/>
+          <a:p>
+            <a:r>
+              <a:rPr lang="en-US" dirty="0"/>
+              <a:t>Dashboard Outline - Tableau</a:t>
+            </a:r>
+          </a:p>
+        </p:txBody>
+      </p:sp>
+      <p:graphicFrame>
+        <p:nvGraphicFramePr>
+          <p:cNvPr id="4" name="Table 4">
+            <a:extLst>
+              <a:ext uri="{FF2B5EF4-FFF2-40B4-BE49-F238E27FC236}">
+                <a16:creationId xmlns:a16="http://schemas.microsoft.com/office/drawing/2014/main" id="{C266CDD0-3E96-40BD-8324-62D1DD86152D}"/>
+              </a:ext>
+            </a:extLst>
+          </p:cNvPr>
+          <p:cNvGraphicFramePr>
+            <a:graphicFrameLocks noGrp="1"/>
+          </p:cNvGraphicFramePr>
+          <p:nvPr>
+            <p:ph idx="1"/>
           </p:nvPr>
         </p:nvGraphicFramePr>
         <p:xfrm>
@@ -6849,7 +7251,7 @@
     </p:spTree>
     <p:extLst>
       <p:ext uri="{BB962C8B-B14F-4D97-AF65-F5344CB8AC3E}">
-        <p14:creationId xmlns:p14="http://schemas.microsoft.com/office/powerpoint/2010/main" val="1132588016"/>
+        <p14:creationId xmlns:p14="http://schemas.microsoft.com/office/powerpoint/2010/main" val="1673985276"/>
       </p:ext>
     </p:extLst>
   </p:cSld>
@@ -7400,6 +7802,49 @@
 </a:themeOverride>
 </file>
 
+<file path=ppt/theme/themeOverride7.xml><?xml version="1.0" encoding="utf-8"?>
+<a:themeOverride xmlns:a="http://schemas.openxmlformats.org/drawingml/2006/main">
+  <a:clrScheme name="Parcel">
+    <a:dk1>
+      <a:srgbClr val="000000"/>
+    </a:dk1>
+    <a:lt1>
+      <a:srgbClr val="FFFFFF"/>
+    </a:lt1>
+    <a:dk2>
+      <a:srgbClr val="4A5356"/>
+    </a:dk2>
+    <a:lt2>
+      <a:srgbClr val="E8E3CE"/>
+    </a:lt2>
+    <a:accent1>
+      <a:srgbClr val="F6A21D"/>
+    </a:accent1>
+    <a:accent2>
+      <a:srgbClr val="9BAFB5"/>
+    </a:accent2>
+    <a:accent3>
+      <a:srgbClr val="C96731"/>
+    </a:accent3>
+    <a:accent4>
+      <a:srgbClr val="9CA383"/>
+    </a:accent4>
+    <a:accent5>
+      <a:srgbClr val="87795D"/>
+    </a:accent5>
+    <a:accent6>
+      <a:srgbClr val="A0988C"/>
+    </a:accent6>
+    <a:hlink>
+      <a:srgbClr val="00B0F0"/>
+    </a:hlink>
+    <a:folHlink>
+      <a:srgbClr val="738F97"/>
+    </a:folHlink>
+  </a:clrScheme>
+</a:themeOverride>
+</file>
+
 <file path=customXml/item1.xml><?xml version="1.0" encoding="utf-8"?>
 <p:properties xmlns:p="http://schemas.microsoft.com/office/2006/metadata/properties" xmlns:xsi="http://www.w3.org/2001/XMLSchema-instance" xmlns:pc="http://schemas.microsoft.com/office/infopath/2007/PartnerControls">
   <documentManagement>
@@ -7410,15 +7855,6 @@
 </file>
 
 <file path=customXml/item2.xml><?xml version="1.0" encoding="utf-8"?>
-<?mso-contentType ?>
-<FormTemplates xmlns="http://schemas.microsoft.com/sharepoint/v3/contenttype/forms">
-  <Display>DocumentLibraryForm</Display>
-  <Edit>DocumentLibraryForm</Edit>
-  <New>DocumentLibraryForm</New>
-</FormTemplates>
-</file>
-
-<file path=customXml/item3.xml><?xml version="1.0" encoding="utf-8"?>
 <ct:contentTypeSchema xmlns:ct="http://schemas.microsoft.com/office/2006/metadata/contentType" xmlns:ma="http://schemas.microsoft.com/office/2006/metadata/properties/metaAttributes" ct:_="" ma:_="" ma:contentTypeName="Document" ma:contentTypeID="0x01010079F111ED35F8CC479449609E8A0923A6" ma:contentTypeVersion="12" ma:contentTypeDescription="Create a new document." ma:contentTypeScope="" ma:versionID="a410dd7f93c95333ffa1b60ed6adedd1">
   <xsd:schema xmlns:xsd="http://www.w3.org/2001/XMLSchema" xmlns:xs="http://www.w3.org/2001/XMLSchema" xmlns:p="http://schemas.microsoft.com/office/2006/metadata/properties" xmlns:ns2="71af3243-3dd4-4a8d-8c0d-dd76da1f02a5" xmlns:ns3="16c05727-aa75-4e4a-9b5f-8a80a1165891" targetNamespace="http://schemas.microsoft.com/office/2006/metadata/properties" ma:root="true" ma:fieldsID="a936d9baba76aa3866493feff160faab" ns2:_="" ns3:_="">
     <xsd:import namespace="71af3243-3dd4-4a8d-8c0d-dd76da1f02a5"/>
@@ -7639,6 +8075,15 @@
 </ct:contentTypeSchema>
 </file>
 
+<file path=customXml/item3.xml><?xml version="1.0" encoding="utf-8"?>
+<?mso-contentType ?>
+<FormTemplates xmlns="http://schemas.microsoft.com/sharepoint/v3/contenttype/forms">
+  <Display>DocumentLibraryForm</Display>
+  <Edit>DocumentLibraryForm</Edit>
+  <New>DocumentLibraryForm</New>
+</FormTemplates>
+</file>
+
 <file path=customXml/itemProps1.xml><?xml version="1.0" encoding="utf-8"?>
 <ds:datastoreItem xmlns:ds="http://schemas.openxmlformats.org/officeDocument/2006/customXml" ds:itemID="{A03EEFF0-FB57-4CB4-8BFC-DF397689E2ED}">
   <ds:schemaRefs>
@@ -7650,14 +8095,6 @@
 </file>
 
 <file path=customXml/itemProps2.xml><?xml version="1.0" encoding="utf-8"?>
-<ds:datastoreItem xmlns:ds="http://schemas.openxmlformats.org/officeDocument/2006/customXml" ds:itemID="{AA3F7EDC-E5B4-4BBC-9D2A-CBE6D46C37AD}">
-  <ds:schemaRefs>
-    <ds:schemaRef ds:uri="http://schemas.microsoft.com/sharepoint/v3/contenttype/forms"/>
-  </ds:schemaRefs>
-</ds:datastoreItem>
-</file>
-
-<file path=customXml/itemProps3.xml><?xml version="1.0" encoding="utf-8"?>
 <ds:datastoreItem xmlns:ds="http://schemas.openxmlformats.org/officeDocument/2006/customXml" ds:itemID="{93932EF5-314F-409E-8020-FEE5FA0795B9}">
   <ds:schemaRefs>
     <ds:schemaRef ds:uri="http://schemas.microsoft.com/office/2006/metadata/contentType"/>
@@ -7674,4 +8111,12 @@
     <ds:schemaRef ds:uri="http://schemas.microsoft.com/internal/obd"/>
   </ds:schemaRefs>
 </ds:datastoreItem>
+</file>
+
+<file path=customXml/itemProps3.xml><?xml version="1.0" encoding="utf-8"?>
+<ds:datastoreItem xmlns:ds="http://schemas.openxmlformats.org/officeDocument/2006/customXml" ds:itemID="{AA3F7EDC-E5B4-4BBC-9D2A-CBE6D46C37AD}">
+  <ds:schemaRefs>
+    <ds:schemaRef ds:uri="http://schemas.microsoft.com/sharepoint/v3/contenttype/forms"/>
+  </ds:schemaRefs>
+</ds:datastoreItem>
 </file>
--- a/Final_Project_Slides_Draft2.pptx
+++ b/Final_Project_Slides_Draft2.pptx
@@ -363,7 +363,7 @@
           <a:p>
             <a:fld id="{9184DA70-C731-4C70-880D-CCD4705E623C}" type="datetime1">
               <a:rPr lang="en-US" smtClean="0"/>
-              <a:t>10/31/2022</a:t>
+              <a:t>11/2/2022</a:t>
             </a:fld>
             <a:endParaRPr lang="en-US" dirty="0"/>
           </a:p>
@@ -551,7 +551,7 @@
           <a:p>
             <a:fld id="{4BE1D723-8F53-4F53-90B0-1982A396982E}" type="datetime1">
               <a:rPr lang="en-US" smtClean="0"/>
-              <a:t>10/31/2022</a:t>
+              <a:t>11/2/2022</a:t>
             </a:fld>
             <a:endParaRPr lang="en-US" dirty="0"/>
           </a:p>
@@ -924,7 +924,7 @@
           <a:p>
             <a:fld id="{97669AF7-7BEB-44E4-9852-375E34362B5B}" type="datetime1">
               <a:rPr lang="en-US" smtClean="0"/>
-              <a:t>10/31/2022</a:t>
+              <a:t>11/2/2022</a:t>
             </a:fld>
             <a:endParaRPr lang="en-US" dirty="0"/>
           </a:p>
@@ -1179,7 +1179,7 @@
           <a:p>
             <a:fld id="{BAAAC38D-0552-4C82-B593-E6124DFADBE2}" type="datetime1">
               <a:rPr lang="en-US" smtClean="0"/>
-              <a:t>10/31/2022</a:t>
+              <a:t>11/2/2022</a:t>
             </a:fld>
             <a:endParaRPr lang="en-US" dirty="0"/>
           </a:p>
@@ -1576,7 +1576,7 @@
           <a:p>
             <a:fld id="{D9DF0F1C-5577-4ACB-BB62-DF8F3C494C7E}" type="datetime1">
               <a:rPr lang="en-US" smtClean="0"/>
-              <a:t>10/31/2022</a:t>
+              <a:t>11/2/2022</a:t>
             </a:fld>
             <a:endParaRPr lang="en-US" dirty="0"/>
           </a:p>
@@ -1712,7 +1712,7 @@
           <a:p>
             <a:fld id="{1775B394-D9F9-4F0C-B15D-605F45CB9E9F}" type="datetime1">
               <a:rPr lang="en-US" smtClean="0"/>
-              <a:t>10/31/2022</a:t>
+              <a:t>11/2/2022</a:t>
             </a:fld>
             <a:endParaRPr lang="en-US" dirty="0"/>
           </a:p>
@@ -1869,7 +1869,7 @@
           <a:p>
             <a:fld id="{39667345-2558-425A-8533-9BFDBCE15005}" type="datetime1">
               <a:rPr lang="en-US" smtClean="0"/>
-              <a:t>10/31/2022</a:t>
+              <a:t>11/2/2022</a:t>
             </a:fld>
             <a:endParaRPr lang="en-US" dirty="0"/>
           </a:p>
@@ -2198,7 +2198,7 @@
           <a:p>
             <a:fld id="{92BEA474-078D-4E9B-9B14-09A87B19DC46}" type="datetime1">
               <a:rPr lang="en-US" smtClean="0"/>
-              <a:t>10/31/2022</a:t>
+              <a:t>11/2/2022</a:t>
             </a:fld>
             <a:endParaRPr lang="en-US" dirty="0"/>
           </a:p>
@@ -2548,7 +2548,7 @@
           <a:p>
             <a:fld id="{4907D986-8816-4272-A432-0437A28A9828}" type="datetime1">
               <a:rPr lang="en-US" smtClean="0"/>
-              <a:t>10/31/2022</a:t>
+              <a:t>11/2/2022</a:t>
             </a:fld>
             <a:endParaRPr lang="en-US" dirty="0"/>
           </a:p>
@@ -2809,7 +2809,7 @@
           <a:p>
             <a:fld id="{62D6E202-B606-4609-B914-27C9371A1F6D}" type="datetime1">
               <a:rPr lang="en-US" smtClean="0"/>
-              <a:t>10/31/2022</a:t>
+              <a:t>11/2/2022</a:t>
             </a:fld>
             <a:endParaRPr lang="en-US" dirty="0"/>
           </a:p>
@@ -6878,6 +6878,11 @@
           </p:cNvGraphicFramePr>
           <p:nvPr>
             <p:ph idx="1"/>
+            <p:extLst>
+              <p:ext uri="{D42A27DB-BD31-4B8C-83A1-F6EECF244321}">
+                <p14:modId xmlns:p14="http://schemas.microsoft.com/office/powerpoint/2010/main" val="1841608753"/>
+              </p:ext>
+            </p:extLst>
           </p:nvPr>
         </p:nvGraphicFramePr>
         <p:xfrm>
@@ -6978,7 +6983,7 @@
                           <a:ea typeface="+mn-ea"/>
                           <a:cs typeface="+mn-cs"/>
                         </a:rPr>
-                        <a:t>                                                                Map – Loans by state</a:t>
+                        <a:t>                                                                   Map – Loans by state</a:t>
                       </a:r>
                     </a:p>
                     <a:p>
@@ -7039,7 +7044,7 @@
                           <a:ea typeface="+mn-ea"/>
                           <a:cs typeface="+mn-cs"/>
                         </a:rPr>
-                        <a:t>Bar Chart – Type of Loan                                                                         Bar/Stacked Bar – Loan Type(Current/Delinquent)</a:t>
+                        <a:t>Bar Chart – Type of Loan                                                                                         Stacked Bar – Loan Type - Delinquencies)</a:t>
                       </a:r>
                     </a:p>
                   </a:txBody>
@@ -7130,10 +7135,10 @@
       </p:graphicFrame>
       <p:pic>
         <p:nvPicPr>
-          <p:cNvPr id="5" name="Picture 4">
+          <p:cNvPr id="7" name="Picture 6">
             <a:extLst>
               <a:ext uri="{FF2B5EF4-FFF2-40B4-BE49-F238E27FC236}">
-                <a16:creationId xmlns:a16="http://schemas.microsoft.com/office/drawing/2014/main" id="{0A0AAF62-C820-EAE8-F853-A992618965A5}"/>
+                <a16:creationId xmlns:a16="http://schemas.microsoft.com/office/drawing/2014/main" id="{F0734E55-F9E2-F704-6D1B-167AC1B143D6}"/>
               </a:ext>
             </a:extLst>
           </p:cNvPr>
@@ -7150,8 +7155,8 @@
         </p:blipFill>
         <p:spPr>
           <a:xfrm>
-            <a:off x="345234" y="2555052"/>
-            <a:ext cx="2715208" cy="1231811"/>
+            <a:off x="223935" y="2567408"/>
+            <a:ext cx="2761862" cy="1504858"/>
           </a:xfrm>
           <a:prstGeom prst="rect">
             <a:avLst/>
@@ -7160,10 +7165,10 @@
       </p:pic>
       <p:pic>
         <p:nvPicPr>
-          <p:cNvPr id="6" name="Picture 5">
+          <p:cNvPr id="10" name="Picture 9">
             <a:extLst>
               <a:ext uri="{FF2B5EF4-FFF2-40B4-BE49-F238E27FC236}">
-                <a16:creationId xmlns:a16="http://schemas.microsoft.com/office/drawing/2014/main" id="{F9B0ABF3-48EC-588E-6615-BCF3D73607F6}"/>
+                <a16:creationId xmlns:a16="http://schemas.microsoft.com/office/drawing/2014/main" id="{352DE12E-8762-8122-6CDB-204BD359F69C}"/>
               </a:ext>
             </a:extLst>
           </p:cNvPr>
@@ -7180,8 +7185,8 @@
         </p:blipFill>
         <p:spPr>
           <a:xfrm>
-            <a:off x="176506" y="4446782"/>
-            <a:ext cx="2883936" cy="1424903"/>
+            <a:off x="223933" y="4459307"/>
+            <a:ext cx="3080199" cy="1808835"/>
           </a:xfrm>
           <a:prstGeom prst="rect">
             <a:avLst/>
@@ -7190,10 +7195,10 @@
       </p:pic>
       <p:pic>
         <p:nvPicPr>
-          <p:cNvPr id="9" name="Picture 8">
+          <p:cNvPr id="13" name="Picture 12">
             <a:extLst>
               <a:ext uri="{FF2B5EF4-FFF2-40B4-BE49-F238E27FC236}">
-                <a16:creationId xmlns:a16="http://schemas.microsoft.com/office/drawing/2014/main" id="{417DAF06-4EC6-4FAB-8791-D3213351CF72}"/>
+                <a16:creationId xmlns:a16="http://schemas.microsoft.com/office/drawing/2014/main" id="{DE287B21-1AAC-5ED6-BCE2-17A29D738625}"/>
               </a:ext>
             </a:extLst>
           </p:cNvPr>
@@ -7210,8 +7215,8 @@
         </p:blipFill>
         <p:spPr>
           <a:xfrm>
-            <a:off x="7708611" y="4446782"/>
-            <a:ext cx="3217535" cy="1424903"/>
+            <a:off x="3304132" y="3163076"/>
+            <a:ext cx="4524252" cy="3105065"/>
           </a:xfrm>
           <a:prstGeom prst="rect">
             <a:avLst/>
@@ -7220,10 +7225,10 @@
       </p:pic>
       <p:pic>
         <p:nvPicPr>
-          <p:cNvPr id="11" name="Picture 10" descr="Map&#10;&#10;Description automatically generated">
+          <p:cNvPr id="15" name="Picture 14">
             <a:extLst>
               <a:ext uri="{FF2B5EF4-FFF2-40B4-BE49-F238E27FC236}">
-                <a16:creationId xmlns:a16="http://schemas.microsoft.com/office/drawing/2014/main" id="{BE37C370-4B5C-7953-6F0A-B44554F47E65}"/>
+                <a16:creationId xmlns:a16="http://schemas.microsoft.com/office/drawing/2014/main" id="{13E4803F-D66B-936F-CB0A-E3234A9A1DBD}"/>
               </a:ext>
             </a:extLst>
           </p:cNvPr>
@@ -7240,14 +7245,51 @@
         </p:blipFill>
         <p:spPr>
           <a:xfrm>
-            <a:off x="3107870" y="3170957"/>
-            <a:ext cx="3722137" cy="2576700"/>
+            <a:off x="7828383" y="4518020"/>
+            <a:ext cx="4040155" cy="1808835"/>
           </a:xfrm>
           <a:prstGeom prst="rect">
             <a:avLst/>
           </a:prstGeom>
         </p:spPr>
       </p:pic>
+      <p:sp>
+        <p:nvSpPr>
+          <p:cNvPr id="16" name="TextBox 15">
+            <a:extLst>
+              <a:ext uri="{FF2B5EF4-FFF2-40B4-BE49-F238E27FC236}">
+                <a16:creationId xmlns:a16="http://schemas.microsoft.com/office/drawing/2014/main" id="{9A3E139E-920F-91E0-6D49-D20BB0FE1B16}"/>
+              </a:ext>
+            </a:extLst>
+          </p:cNvPr>
+          <p:cNvSpPr txBox="1"/>
+          <p:nvPr/>
+        </p:nvSpPr>
+        <p:spPr>
+          <a:xfrm>
+            <a:off x="3524639" y="2208294"/>
+            <a:ext cx="5314340" cy="369332"/>
+          </a:xfrm>
+          <a:prstGeom prst="rect">
+            <a:avLst/>
+          </a:prstGeom>
+          <a:solidFill>
+            <a:schemeClr val="accent2"/>
+          </a:solidFill>
+        </p:spPr>
+        <p:txBody>
+          <a:bodyPr wrap="none" rtlCol="0">
+            <a:spAutoFit/>
+          </a:bodyPr>
+          <a:lstStyle/>
+          <a:p>
+            <a:r>
+              <a:rPr lang="en-US" dirty="0"/>
+              <a:t>Each chart will have a filter as an interactive element</a:t>
+            </a:r>
+          </a:p>
+        </p:txBody>
+      </p:sp>
     </p:spTree>
     <p:extLst>
       <p:ext uri="{BB962C8B-B14F-4D97-AF65-F5344CB8AC3E}">
@@ -7855,6 +7897,15 @@
 </file>
 
 <file path=customXml/item2.xml><?xml version="1.0" encoding="utf-8"?>
+<?mso-contentType ?>
+<FormTemplates xmlns="http://schemas.microsoft.com/sharepoint/v3/contenttype/forms">
+  <Display>DocumentLibraryForm</Display>
+  <Edit>DocumentLibraryForm</Edit>
+  <New>DocumentLibraryForm</New>
+</FormTemplates>
+</file>
+
+<file path=customXml/item3.xml><?xml version="1.0" encoding="utf-8"?>
 <ct:contentTypeSchema xmlns:ct="http://schemas.microsoft.com/office/2006/metadata/contentType" xmlns:ma="http://schemas.microsoft.com/office/2006/metadata/properties/metaAttributes" ct:_="" ma:_="" ma:contentTypeName="Document" ma:contentTypeID="0x01010079F111ED35F8CC479449609E8A0923A6" ma:contentTypeVersion="12" ma:contentTypeDescription="Create a new document." ma:contentTypeScope="" ma:versionID="a410dd7f93c95333ffa1b60ed6adedd1">
   <xsd:schema xmlns:xsd="http://www.w3.org/2001/XMLSchema" xmlns:xs="http://www.w3.org/2001/XMLSchema" xmlns:p="http://schemas.microsoft.com/office/2006/metadata/properties" xmlns:ns2="71af3243-3dd4-4a8d-8c0d-dd76da1f02a5" xmlns:ns3="16c05727-aa75-4e4a-9b5f-8a80a1165891" targetNamespace="http://schemas.microsoft.com/office/2006/metadata/properties" ma:root="true" ma:fieldsID="a936d9baba76aa3866493feff160faab" ns2:_="" ns3:_="">
     <xsd:import namespace="71af3243-3dd4-4a8d-8c0d-dd76da1f02a5"/>
@@ -8075,15 +8126,6 @@
 </ct:contentTypeSchema>
 </file>
 
-<file path=customXml/item3.xml><?xml version="1.0" encoding="utf-8"?>
-<?mso-contentType ?>
-<FormTemplates xmlns="http://schemas.microsoft.com/sharepoint/v3/contenttype/forms">
-  <Display>DocumentLibraryForm</Display>
-  <Edit>DocumentLibraryForm</Edit>
-  <New>DocumentLibraryForm</New>
-</FormTemplates>
-</file>
-
 <file path=customXml/itemProps1.xml><?xml version="1.0" encoding="utf-8"?>
 <ds:datastoreItem xmlns:ds="http://schemas.openxmlformats.org/officeDocument/2006/customXml" ds:itemID="{A03EEFF0-FB57-4CB4-8BFC-DF397689E2ED}">
   <ds:schemaRefs>
@@ -8095,6 +8137,14 @@
 </file>
 
 <file path=customXml/itemProps2.xml><?xml version="1.0" encoding="utf-8"?>
+<ds:datastoreItem xmlns:ds="http://schemas.openxmlformats.org/officeDocument/2006/customXml" ds:itemID="{AA3F7EDC-E5B4-4BBC-9D2A-CBE6D46C37AD}">
+  <ds:schemaRefs>
+    <ds:schemaRef ds:uri="http://schemas.microsoft.com/sharepoint/v3/contenttype/forms"/>
+  </ds:schemaRefs>
+</ds:datastoreItem>
+</file>
+
+<file path=customXml/itemProps3.xml><?xml version="1.0" encoding="utf-8"?>
 <ds:datastoreItem xmlns:ds="http://schemas.openxmlformats.org/officeDocument/2006/customXml" ds:itemID="{93932EF5-314F-409E-8020-FEE5FA0795B9}">
   <ds:schemaRefs>
     <ds:schemaRef ds:uri="http://schemas.microsoft.com/office/2006/metadata/contentType"/>
@@ -8111,12 +8161,4 @@
     <ds:schemaRef ds:uri="http://schemas.microsoft.com/internal/obd"/>
   </ds:schemaRefs>
 </ds:datastoreItem>
-</file>
-
-<file path=customXml/itemProps3.xml><?xml version="1.0" encoding="utf-8"?>
-<ds:datastoreItem xmlns:ds="http://schemas.openxmlformats.org/officeDocument/2006/customXml" ds:itemID="{AA3F7EDC-E5B4-4BBC-9D2A-CBE6D46C37AD}">
-  <ds:schemaRefs>
-    <ds:schemaRef ds:uri="http://schemas.microsoft.com/sharepoint/v3/contenttype/forms"/>
-  </ds:schemaRefs>
-</ds:datastoreItem>
 </file>
--- a/Final_Project_Slides_Draft2.pptx
+++ b/Final_Project_Slides_Draft2.pptx
@@ -363,7 +363,7 @@
           <a:p>
             <a:fld id="{9184DA70-C731-4C70-880D-CCD4705E623C}" type="datetime1">
               <a:rPr lang="en-US" smtClean="0"/>
-              <a:t>11/2/2022</a:t>
+              <a:t>11/3/2022</a:t>
             </a:fld>
             <a:endParaRPr lang="en-US" dirty="0"/>
           </a:p>
@@ -551,7 +551,7 @@
           <a:p>
             <a:fld id="{4BE1D723-8F53-4F53-90B0-1982A396982E}" type="datetime1">
               <a:rPr lang="en-US" smtClean="0"/>
-              <a:t>11/2/2022</a:t>
+              <a:t>11/3/2022</a:t>
             </a:fld>
             <a:endParaRPr lang="en-US" dirty="0"/>
           </a:p>
@@ -924,7 +924,7 @@
           <a:p>
             <a:fld id="{97669AF7-7BEB-44E4-9852-375E34362B5B}" type="datetime1">
               <a:rPr lang="en-US" smtClean="0"/>
-              <a:t>11/2/2022</a:t>
+              <a:t>11/3/2022</a:t>
             </a:fld>
             <a:endParaRPr lang="en-US" dirty="0"/>
           </a:p>
@@ -1179,7 +1179,7 @@
           <a:p>
             <a:fld id="{BAAAC38D-0552-4C82-B593-E6124DFADBE2}" type="datetime1">
               <a:rPr lang="en-US" smtClean="0"/>
-              <a:t>11/2/2022</a:t>
+              <a:t>11/3/2022</a:t>
             </a:fld>
             <a:endParaRPr lang="en-US" dirty="0"/>
           </a:p>
@@ -1576,7 +1576,7 @@
           <a:p>
             <a:fld id="{D9DF0F1C-5577-4ACB-BB62-DF8F3C494C7E}" type="datetime1">
               <a:rPr lang="en-US" smtClean="0"/>
-              <a:t>11/2/2022</a:t>
+              <a:t>11/3/2022</a:t>
             </a:fld>
             <a:endParaRPr lang="en-US" dirty="0"/>
           </a:p>
@@ -1712,7 +1712,7 @@
           <a:p>
             <a:fld id="{1775B394-D9F9-4F0C-B15D-605F45CB9E9F}" type="datetime1">
               <a:rPr lang="en-US" smtClean="0"/>
-              <a:t>11/2/2022</a:t>
+              <a:t>11/3/2022</a:t>
             </a:fld>
             <a:endParaRPr lang="en-US" dirty="0"/>
           </a:p>
@@ -1869,7 +1869,7 @@
           <a:p>
             <a:fld id="{39667345-2558-425A-8533-9BFDBCE15005}" type="datetime1">
               <a:rPr lang="en-US" smtClean="0"/>
-              <a:t>11/2/2022</a:t>
+              <a:t>11/3/2022</a:t>
             </a:fld>
             <a:endParaRPr lang="en-US" dirty="0"/>
           </a:p>
@@ -2198,7 +2198,7 @@
           <a:p>
             <a:fld id="{92BEA474-078D-4E9B-9B14-09A87B19DC46}" type="datetime1">
               <a:rPr lang="en-US" smtClean="0"/>
-              <a:t>11/2/2022</a:t>
+              <a:t>11/3/2022</a:t>
             </a:fld>
             <a:endParaRPr lang="en-US" dirty="0"/>
           </a:p>
@@ -2548,7 +2548,7 @@
           <a:p>
             <a:fld id="{4907D986-8816-4272-A432-0437A28A9828}" type="datetime1">
               <a:rPr lang="en-US" smtClean="0"/>
-              <a:t>11/2/2022</a:t>
+              <a:t>11/3/2022</a:t>
             </a:fld>
             <a:endParaRPr lang="en-US" dirty="0"/>
           </a:p>
@@ -2809,7 +2809,7 @@
           <a:p>
             <a:fld id="{62D6E202-B606-4609-B914-27C9371A1F6D}" type="datetime1">
               <a:rPr lang="en-US" smtClean="0"/>
-              <a:t>11/2/2022</a:t>
+              <a:t>11/3/2022</a:t>
             </a:fld>
             <a:endParaRPr lang="en-US" dirty="0"/>
           </a:p>
@@ -6880,7 +6880,7 @@
             <p:ph idx="1"/>
             <p:extLst>
               <p:ext uri="{D42A27DB-BD31-4B8C-83A1-F6EECF244321}">
-                <p14:modId xmlns:p14="http://schemas.microsoft.com/office/powerpoint/2010/main" val="1841608753"/>
+                <p14:modId xmlns:p14="http://schemas.microsoft.com/office/powerpoint/2010/main" val="2168557296"/>
               </p:ext>
             </p:extLst>
           </p:nvPr>
@@ -6948,20 +6948,6 @@
                     <a:bodyPr/>
                     <a:lstStyle/>
                     <a:p>
-                      <a:r>
-                        <a:rPr lang="en-US" sz="1800" b="0" i="0" kern="1200" cap="none" spc="0" dirty="0">
-                          <a:solidFill>
-                            <a:schemeClr val="tx1"/>
-                          </a:solidFill>
-                          <a:effectLst/>
-                          <a:latin typeface="+mn-lt"/>
-                          <a:ea typeface="+mn-ea"/>
-                          <a:cs typeface="+mn-cs"/>
-                        </a:rPr>
-                        <a:t>Pie Chart – Application Types</a:t>
-                      </a:r>
-                    </a:p>
-                    <a:p>
                       <a:endParaRPr lang="en-US" sz="1800" b="0" i="0" kern="1200" cap="none" spc="0" dirty="0">
                         <a:solidFill>
                           <a:schemeClr val="tx1"/>
@@ -6971,81 +6957,6 @@
                         <a:ea typeface="+mn-ea"/>
                         <a:cs typeface="+mn-cs"/>
                       </a:endParaRPr>
-                    </a:p>
-                    <a:p>
-                      <a:r>
-                        <a:rPr lang="en-US" sz="1800" b="0" i="0" kern="1200" cap="none" spc="0" dirty="0">
-                          <a:solidFill>
-                            <a:schemeClr val="tx1"/>
-                          </a:solidFill>
-                          <a:effectLst/>
-                          <a:latin typeface="+mn-lt"/>
-                          <a:ea typeface="+mn-ea"/>
-                          <a:cs typeface="+mn-cs"/>
-                        </a:rPr>
-                        <a:t>                                                                   Map – Loans by state</a:t>
-                      </a:r>
-                    </a:p>
-                    <a:p>
-                      <a:endParaRPr lang="en-US" sz="1800" b="0" i="0" kern="1200" cap="none" spc="0" dirty="0">
-                        <a:solidFill>
-                          <a:schemeClr val="tx1"/>
-                        </a:solidFill>
-                        <a:effectLst/>
-                        <a:latin typeface="+mn-lt"/>
-                        <a:ea typeface="+mn-ea"/>
-                        <a:cs typeface="+mn-cs"/>
-                      </a:endParaRPr>
-                    </a:p>
-                    <a:p>
-                      <a:r>
-                        <a:rPr lang="en-US" sz="1800" b="0" i="0" kern="1200" cap="none" spc="0" dirty="0">
-                          <a:solidFill>
-                            <a:schemeClr val="tx1"/>
-                          </a:solidFill>
-                          <a:effectLst/>
-                          <a:latin typeface="+mn-lt"/>
-                          <a:ea typeface="+mn-ea"/>
-                          <a:cs typeface="+mn-cs"/>
-                        </a:rPr>
-                        <a:t>                                                                   </a:t>
-                      </a:r>
-                    </a:p>
-                    <a:p>
-                      <a:endParaRPr lang="en-US" sz="1800" b="0" i="0" kern="1200" cap="none" spc="0" dirty="0">
-                        <a:solidFill>
-                          <a:schemeClr val="tx1"/>
-                        </a:solidFill>
-                        <a:effectLst/>
-                        <a:latin typeface="+mn-lt"/>
-                        <a:ea typeface="+mn-ea"/>
-                        <a:cs typeface="+mn-cs"/>
-                      </a:endParaRPr>
-                    </a:p>
-                    <a:p>
-                      <a:endParaRPr lang="en-US" sz="1800" b="0" i="0" kern="1200" cap="none" spc="0" dirty="0">
-                        <a:solidFill>
-                          <a:schemeClr val="tx1"/>
-                        </a:solidFill>
-                        <a:effectLst/>
-                        <a:latin typeface="+mn-lt"/>
-                        <a:ea typeface="+mn-ea"/>
-                        <a:cs typeface="+mn-cs"/>
-                      </a:endParaRPr>
-                    </a:p>
-                    <a:p>
-                      <a:r>
-                        <a:rPr lang="en-US" sz="1800" b="0" i="0" kern="1200" cap="none" spc="0" dirty="0">
-                          <a:solidFill>
-                            <a:schemeClr val="tx1"/>
-                          </a:solidFill>
-                          <a:effectLst/>
-                          <a:latin typeface="+mn-lt"/>
-                          <a:ea typeface="+mn-ea"/>
-                          <a:cs typeface="+mn-cs"/>
-                        </a:rPr>
-                        <a:t>Bar Chart – Type of Loan                                                                                         Stacked Bar – Loan Type - Delinquencies)</a:t>
-                      </a:r>
                     </a:p>
                   </a:txBody>
                   <a:tcPr marL="151061" marR="151061" marT="151061" marB="151061">
@@ -7133,12 +7044,49 @@
           </a:graphicData>
         </a:graphic>
       </p:graphicFrame>
+      <p:sp>
+        <p:nvSpPr>
+          <p:cNvPr id="16" name="TextBox 15">
+            <a:extLst>
+              <a:ext uri="{FF2B5EF4-FFF2-40B4-BE49-F238E27FC236}">
+                <a16:creationId xmlns:a16="http://schemas.microsoft.com/office/drawing/2014/main" id="{9A3E139E-920F-91E0-6D49-D20BB0FE1B16}"/>
+              </a:ext>
+            </a:extLst>
+          </p:cNvPr>
+          <p:cNvSpPr txBox="1"/>
+          <p:nvPr/>
+        </p:nvSpPr>
+        <p:spPr>
+          <a:xfrm>
+            <a:off x="3515308" y="1480506"/>
+            <a:ext cx="5314340" cy="369332"/>
+          </a:xfrm>
+          <a:prstGeom prst="rect">
+            <a:avLst/>
+          </a:prstGeom>
+          <a:solidFill>
+            <a:schemeClr val="accent2"/>
+          </a:solidFill>
+        </p:spPr>
+        <p:txBody>
+          <a:bodyPr wrap="none" rtlCol="0">
+            <a:spAutoFit/>
+          </a:bodyPr>
+          <a:lstStyle/>
+          <a:p>
+            <a:r>
+              <a:rPr lang="en-US" dirty="0"/>
+              <a:t>Each chart will have a filter as an interactive element</a:t>
+            </a:r>
+          </a:p>
+        </p:txBody>
+      </p:sp>
       <p:pic>
         <p:nvPicPr>
-          <p:cNvPr id="7" name="Picture 6">
+          <p:cNvPr id="5" name="Picture 4">
             <a:extLst>
               <a:ext uri="{FF2B5EF4-FFF2-40B4-BE49-F238E27FC236}">
-                <a16:creationId xmlns:a16="http://schemas.microsoft.com/office/drawing/2014/main" id="{F0734E55-F9E2-F704-6D1B-167AC1B143D6}"/>
+                <a16:creationId xmlns:a16="http://schemas.microsoft.com/office/drawing/2014/main" id="{A3194D26-7F37-99C0-42B9-2E0D41E0F0E2}"/>
               </a:ext>
             </a:extLst>
           </p:cNvPr>
@@ -7155,141 +7103,14 @@
         </p:blipFill>
         <p:spPr>
           <a:xfrm>
-            <a:off x="223935" y="2567408"/>
-            <a:ext cx="2761862" cy="1504858"/>
+            <a:off x="201419" y="2201940"/>
+            <a:ext cx="11789162" cy="4180200"/>
           </a:xfrm>
           <a:prstGeom prst="rect">
             <a:avLst/>
           </a:prstGeom>
         </p:spPr>
       </p:pic>
-      <p:pic>
-        <p:nvPicPr>
-          <p:cNvPr id="10" name="Picture 9">
-            <a:extLst>
-              <a:ext uri="{FF2B5EF4-FFF2-40B4-BE49-F238E27FC236}">
-                <a16:creationId xmlns:a16="http://schemas.microsoft.com/office/drawing/2014/main" id="{352DE12E-8762-8122-6CDB-204BD359F69C}"/>
-              </a:ext>
-            </a:extLst>
-          </p:cNvPr>
-          <p:cNvPicPr>
-            <a:picLocks noChangeAspect="1"/>
-          </p:cNvPicPr>
-          <p:nvPr/>
-        </p:nvPicPr>
-        <p:blipFill>
-          <a:blip r:embed="rId4"/>
-          <a:stretch>
-            <a:fillRect/>
-          </a:stretch>
-        </p:blipFill>
-        <p:spPr>
-          <a:xfrm>
-            <a:off x="223933" y="4459307"/>
-            <a:ext cx="3080199" cy="1808835"/>
-          </a:xfrm>
-          <a:prstGeom prst="rect">
-            <a:avLst/>
-          </a:prstGeom>
-        </p:spPr>
-      </p:pic>
-      <p:pic>
-        <p:nvPicPr>
-          <p:cNvPr id="13" name="Picture 12">
-            <a:extLst>
-              <a:ext uri="{FF2B5EF4-FFF2-40B4-BE49-F238E27FC236}">
-                <a16:creationId xmlns:a16="http://schemas.microsoft.com/office/drawing/2014/main" id="{DE287B21-1AAC-5ED6-BCE2-17A29D738625}"/>
-              </a:ext>
-            </a:extLst>
-          </p:cNvPr>
-          <p:cNvPicPr>
-            <a:picLocks noChangeAspect="1"/>
-          </p:cNvPicPr>
-          <p:nvPr/>
-        </p:nvPicPr>
-        <p:blipFill>
-          <a:blip r:embed="rId5"/>
-          <a:stretch>
-            <a:fillRect/>
-          </a:stretch>
-        </p:blipFill>
-        <p:spPr>
-          <a:xfrm>
-            <a:off x="3304132" y="3163076"/>
-            <a:ext cx="4524252" cy="3105065"/>
-          </a:xfrm>
-          <a:prstGeom prst="rect">
-            <a:avLst/>
-          </a:prstGeom>
-        </p:spPr>
-      </p:pic>
-      <p:pic>
-        <p:nvPicPr>
-          <p:cNvPr id="15" name="Picture 14">
-            <a:extLst>
-              <a:ext uri="{FF2B5EF4-FFF2-40B4-BE49-F238E27FC236}">
-                <a16:creationId xmlns:a16="http://schemas.microsoft.com/office/drawing/2014/main" id="{13E4803F-D66B-936F-CB0A-E3234A9A1DBD}"/>
-              </a:ext>
-            </a:extLst>
-          </p:cNvPr>
-          <p:cNvPicPr>
-            <a:picLocks noChangeAspect="1"/>
-          </p:cNvPicPr>
-          <p:nvPr/>
-        </p:nvPicPr>
-        <p:blipFill>
-          <a:blip r:embed="rId6"/>
-          <a:stretch>
-            <a:fillRect/>
-          </a:stretch>
-        </p:blipFill>
-        <p:spPr>
-          <a:xfrm>
-            <a:off x="7828383" y="4518020"/>
-            <a:ext cx="4040155" cy="1808835"/>
-          </a:xfrm>
-          <a:prstGeom prst="rect">
-            <a:avLst/>
-          </a:prstGeom>
-        </p:spPr>
-      </p:pic>
-      <p:sp>
-        <p:nvSpPr>
-          <p:cNvPr id="16" name="TextBox 15">
-            <a:extLst>
-              <a:ext uri="{FF2B5EF4-FFF2-40B4-BE49-F238E27FC236}">
-                <a16:creationId xmlns:a16="http://schemas.microsoft.com/office/drawing/2014/main" id="{9A3E139E-920F-91E0-6D49-D20BB0FE1B16}"/>
-              </a:ext>
-            </a:extLst>
-          </p:cNvPr>
-          <p:cNvSpPr txBox="1"/>
-          <p:nvPr/>
-        </p:nvSpPr>
-        <p:spPr>
-          <a:xfrm>
-            <a:off x="3524639" y="2208294"/>
-            <a:ext cx="5314340" cy="369332"/>
-          </a:xfrm>
-          <a:prstGeom prst="rect">
-            <a:avLst/>
-          </a:prstGeom>
-          <a:solidFill>
-            <a:schemeClr val="accent2"/>
-          </a:solidFill>
-        </p:spPr>
-        <p:txBody>
-          <a:bodyPr wrap="none" rtlCol="0">
-            <a:spAutoFit/>
-          </a:bodyPr>
-          <a:lstStyle/>
-          <a:p>
-            <a:r>
-              <a:rPr lang="en-US" dirty="0"/>
-              <a:t>Each chart will have a filter as an interactive element</a:t>
-            </a:r>
-          </a:p>
-        </p:txBody>
-      </p:sp>
     </p:spTree>
     <p:extLst>
       <p:ext uri="{BB962C8B-B14F-4D97-AF65-F5344CB8AC3E}">
@@ -7897,15 +7718,6 @@
 </file>
 
 <file path=customXml/item2.xml><?xml version="1.0" encoding="utf-8"?>
-<?mso-contentType ?>
-<FormTemplates xmlns="http://schemas.microsoft.com/sharepoint/v3/contenttype/forms">
-  <Display>DocumentLibraryForm</Display>
-  <Edit>DocumentLibraryForm</Edit>
-  <New>DocumentLibraryForm</New>
-</FormTemplates>
-</file>
-
-<file path=customXml/item3.xml><?xml version="1.0" encoding="utf-8"?>
 <ct:contentTypeSchema xmlns:ct="http://schemas.microsoft.com/office/2006/metadata/contentType" xmlns:ma="http://schemas.microsoft.com/office/2006/metadata/properties/metaAttributes" ct:_="" ma:_="" ma:contentTypeName="Document" ma:contentTypeID="0x01010079F111ED35F8CC479449609E8A0923A6" ma:contentTypeVersion="12" ma:contentTypeDescription="Create a new document." ma:contentTypeScope="" ma:versionID="a410dd7f93c95333ffa1b60ed6adedd1">
   <xsd:schema xmlns:xsd="http://www.w3.org/2001/XMLSchema" xmlns:xs="http://www.w3.org/2001/XMLSchema" xmlns:p="http://schemas.microsoft.com/office/2006/metadata/properties" xmlns:ns2="71af3243-3dd4-4a8d-8c0d-dd76da1f02a5" xmlns:ns3="16c05727-aa75-4e4a-9b5f-8a80a1165891" targetNamespace="http://schemas.microsoft.com/office/2006/metadata/properties" ma:root="true" ma:fieldsID="a936d9baba76aa3866493feff160faab" ns2:_="" ns3:_="">
     <xsd:import namespace="71af3243-3dd4-4a8d-8c0d-dd76da1f02a5"/>
@@ -8126,6 +7938,15 @@
 </ct:contentTypeSchema>
 </file>
 
+<file path=customXml/item3.xml><?xml version="1.0" encoding="utf-8"?>
+<?mso-contentType ?>
+<FormTemplates xmlns="http://schemas.microsoft.com/sharepoint/v3/contenttype/forms">
+  <Display>DocumentLibraryForm</Display>
+  <Edit>DocumentLibraryForm</Edit>
+  <New>DocumentLibraryForm</New>
+</FormTemplates>
+</file>
+
 <file path=customXml/itemProps1.xml><?xml version="1.0" encoding="utf-8"?>
 <ds:datastoreItem xmlns:ds="http://schemas.openxmlformats.org/officeDocument/2006/customXml" ds:itemID="{A03EEFF0-FB57-4CB4-8BFC-DF397689E2ED}">
   <ds:schemaRefs>
@@ -8137,14 +7958,6 @@
 </file>
 
 <file path=customXml/itemProps2.xml><?xml version="1.0" encoding="utf-8"?>
-<ds:datastoreItem xmlns:ds="http://schemas.openxmlformats.org/officeDocument/2006/customXml" ds:itemID="{AA3F7EDC-E5B4-4BBC-9D2A-CBE6D46C37AD}">
-  <ds:schemaRefs>
-    <ds:schemaRef ds:uri="http://schemas.microsoft.com/sharepoint/v3/contenttype/forms"/>
-  </ds:schemaRefs>
-</ds:datastoreItem>
-</file>
-
-<file path=customXml/itemProps3.xml><?xml version="1.0" encoding="utf-8"?>
 <ds:datastoreItem xmlns:ds="http://schemas.openxmlformats.org/officeDocument/2006/customXml" ds:itemID="{93932EF5-314F-409E-8020-FEE5FA0795B9}">
   <ds:schemaRefs>
     <ds:schemaRef ds:uri="http://schemas.microsoft.com/office/2006/metadata/contentType"/>
@@ -8161,4 +7974,12 @@
     <ds:schemaRef ds:uri="http://schemas.microsoft.com/internal/obd"/>
   </ds:schemaRefs>
 </ds:datastoreItem>
+</file>
+
+<file path=customXml/itemProps3.xml><?xml version="1.0" encoding="utf-8"?>
+<ds:datastoreItem xmlns:ds="http://schemas.openxmlformats.org/officeDocument/2006/customXml" ds:itemID="{AA3F7EDC-E5B4-4BBC-9D2A-CBE6D46C37AD}">
+  <ds:schemaRefs>
+    <ds:schemaRef ds:uri="http://schemas.microsoft.com/sharepoint/v3/contenttype/forms"/>
+  </ds:schemaRefs>
+</ds:datastoreItem>
 </file>